--- a/Apresentação.pptx
+++ b/Apresentação.pptx
@@ -126,7 +126,7 @@
   </p:defaultTextStyle>
   <p:extLst>
     <p:ext uri="{EFAFB233-063F-42B5-8137-9DF3F51BA10A}">
-      <p15:sldGuideLst xmlns="" xmlns:p15="http://schemas.microsoft.com/office/powerpoint/2012/main">
+      <p15:sldGuideLst xmlns:p15="http://schemas.microsoft.com/office/powerpoint/2012/main">
         <p15:guide id="1" pos="3840" userDrawn="1">
           <p15:clr>
             <a:srgbClr val="A4A3A4"/>
@@ -140,7 +140,7 @@
       </p15:sldGuideLst>
     </p:ext>
     <p:ext uri="{2D200454-40CA-4A62-9FC3-DE9A4176ACB9}">
-      <p15:notesGuideLst xmlns="" xmlns:p15="http://schemas.microsoft.com/office/powerpoint/2012/main"/>
+      <p15:notesGuideLst xmlns:p15="http://schemas.microsoft.com/office/powerpoint/2012/main"/>
     </p:ext>
   </p:extLst>
 </p:presentation>
@@ -1275,429 +1275,6 @@
       <dsp:cNvGrpSpPr/>
     </dsp:nvGrpSpPr>
     <dsp:grpSpPr/>
-    <dsp:sp modelId="{610B5FFC-C0C9-444C-9F7A-14D1B54F604D}">
-      <dsp:nvSpPr>
-        <dsp:cNvPr id="0" name=""/>
-        <dsp:cNvSpPr/>
-      </dsp:nvSpPr>
-      <dsp:spPr>
-        <a:xfrm>
-          <a:off x="793696" y="893619"/>
-          <a:ext cx="2314039" cy="2022761"/>
-        </a:xfrm>
-        <a:prstGeom prst="rightArrow">
-          <a:avLst>
-            <a:gd name="adj1" fmla="val 70000"/>
-            <a:gd name="adj2" fmla="val 50000"/>
-          </a:avLst>
-        </a:prstGeom>
-        <a:solidFill>
-          <a:schemeClr val="accent1">
-            <a:alpha val="90000"/>
-            <a:tint val="40000"/>
-            <a:hueOff val="0"/>
-            <a:satOff val="0"/>
-            <a:lumOff val="0"/>
-            <a:alphaOff val="0"/>
-          </a:schemeClr>
-        </a:solidFill>
-        <a:ln w="12700" cap="flat" cmpd="sng" algn="ctr">
-          <a:solidFill>
-            <a:schemeClr val="accent1">
-              <a:alpha val="90000"/>
-              <a:tint val="40000"/>
-              <a:hueOff val="0"/>
-              <a:satOff val="0"/>
-              <a:lumOff val="0"/>
-              <a:alphaOff val="0"/>
-            </a:schemeClr>
-          </a:solidFill>
-          <a:prstDash val="solid"/>
-          <a:miter lim="800000"/>
-        </a:ln>
-        <a:effectLst/>
-      </dsp:spPr>
-      <dsp:style>
-        <a:lnRef idx="2">
-          <a:scrgbClr r="0" g="0" b="0"/>
-        </a:lnRef>
-        <a:fillRef idx="1">
-          <a:scrgbClr r="0" g="0" b="0"/>
-        </a:fillRef>
-        <a:effectRef idx="0">
-          <a:scrgbClr r="0" g="0" b="0"/>
-        </a:effectRef>
-        <a:fontRef idx="minor"/>
-      </dsp:style>
-      <dsp:txBody>
-        <a:bodyPr spcFirstLastPara="0" vert="horz" wrap="square" lIns="45720" tIns="11430" rIns="22860" bIns="11430" numCol="1" spcCol="1270" anchor="ctr" anchorCtr="0">
-          <a:noAutofit/>
-        </a:bodyPr>
-        <a:lstStyle/>
-        <a:p>
-          <a:pPr lvl="0" algn="ctr" defTabSz="800100">
-            <a:lnSpc>
-              <a:spcPct val="90000"/>
-            </a:lnSpc>
-            <a:spcBef>
-              <a:spcPct val="0"/>
-            </a:spcBef>
-            <a:spcAft>
-              <a:spcPct val="35000"/>
-            </a:spcAft>
-          </a:pPr>
-          <a:endParaRPr lang="pt-BR" sz="1800" kern="1200" noProof="0" dirty="0"/>
-        </a:p>
-      </dsp:txBody>
-      <dsp:txXfrm>
-        <a:off x="1372206" y="1197033"/>
-        <a:ext cx="1128094" cy="1415933"/>
-      </dsp:txXfrm>
-    </dsp:sp>
-    <dsp:sp modelId="{47DA5750-48DC-4E4F-815D-0B05DBC30DAB}">
-      <dsp:nvSpPr>
-        <dsp:cNvPr id="0" name=""/>
-        <dsp:cNvSpPr/>
-      </dsp:nvSpPr>
-      <dsp:spPr>
-        <a:xfrm>
-          <a:off x="663" y="1180543"/>
-          <a:ext cx="1586065" cy="1448912"/>
-        </a:xfrm>
-        <a:prstGeom prst="ellipse">
-          <a:avLst/>
-        </a:prstGeom>
-        <a:solidFill>
-          <a:schemeClr val="accent1">
-            <a:hueOff val="0"/>
-            <a:satOff val="0"/>
-            <a:lumOff val="0"/>
-            <a:alphaOff val="0"/>
-          </a:schemeClr>
-        </a:solidFill>
-        <a:ln w="12700" cap="flat" cmpd="sng" algn="ctr">
-          <a:solidFill>
-            <a:schemeClr val="lt1">
-              <a:hueOff val="0"/>
-              <a:satOff val="0"/>
-              <a:lumOff val="0"/>
-              <a:alphaOff val="0"/>
-            </a:schemeClr>
-          </a:solidFill>
-          <a:prstDash val="solid"/>
-          <a:miter lim="800000"/>
-        </a:ln>
-        <a:effectLst/>
-      </dsp:spPr>
-      <dsp:style>
-        <a:lnRef idx="2">
-          <a:scrgbClr r="0" g="0" b="0"/>
-        </a:lnRef>
-        <a:fillRef idx="1">
-          <a:scrgbClr r="0" g="0" b="0"/>
-        </a:fillRef>
-        <a:effectRef idx="0">
-          <a:scrgbClr r="0" g="0" b="0"/>
-        </a:effectRef>
-        <a:fontRef idx="minor">
-          <a:schemeClr val="lt1"/>
-        </a:fontRef>
-      </dsp:style>
-      <dsp:txBody>
-        <a:bodyPr spcFirstLastPara="0" vert="horz" wrap="square" lIns="12700" tIns="12700" rIns="12700" bIns="12700" numCol="1" spcCol="1270" anchor="ctr" anchorCtr="0">
-          <a:noAutofit/>
-        </a:bodyPr>
-        <a:lstStyle/>
-        <a:p>
-          <a:pPr lvl="0" algn="ctr" defTabSz="889000">
-            <a:lnSpc>
-              <a:spcPct val="90000"/>
-            </a:lnSpc>
-            <a:spcBef>
-              <a:spcPct val="0"/>
-            </a:spcBef>
-            <a:spcAft>
-              <a:spcPct val="35000"/>
-            </a:spcAft>
-          </a:pPr>
-          <a:r>
-            <a:rPr lang="pt-BR" sz="2000" kern="1200" noProof="0" dirty="0" smtClean="0"/>
-            <a:t>Alocação</a:t>
-          </a:r>
-          <a:endParaRPr lang="pt-BR" sz="2000" kern="1200" noProof="0" dirty="0"/>
-        </a:p>
-      </dsp:txBody>
-      <dsp:txXfrm>
-        <a:off x="232937" y="1392731"/>
-        <a:ext cx="1121517" cy="1024536"/>
-      </dsp:txXfrm>
-    </dsp:sp>
-    <dsp:sp modelId="{00D2DC2C-7CA2-4A4B-B66D-3DDCAB7DC8E9}">
-      <dsp:nvSpPr>
-        <dsp:cNvPr id="0" name=""/>
-        <dsp:cNvSpPr/>
-      </dsp:nvSpPr>
-      <dsp:spPr>
-        <a:xfrm>
-          <a:off x="3989951" y="893619"/>
-          <a:ext cx="2314039" cy="2022761"/>
-        </a:xfrm>
-        <a:prstGeom prst="rightArrow">
-          <a:avLst>
-            <a:gd name="adj1" fmla="val 70000"/>
-            <a:gd name="adj2" fmla="val 50000"/>
-          </a:avLst>
-        </a:prstGeom>
-        <a:solidFill>
-          <a:schemeClr val="accent1">
-            <a:alpha val="90000"/>
-            <a:tint val="40000"/>
-            <a:hueOff val="0"/>
-            <a:satOff val="0"/>
-            <a:lumOff val="0"/>
-            <a:alphaOff val="0"/>
-          </a:schemeClr>
-        </a:solidFill>
-        <a:ln w="12700" cap="flat" cmpd="sng" algn="ctr">
-          <a:solidFill>
-            <a:schemeClr val="accent1">
-              <a:alpha val="90000"/>
-              <a:tint val="40000"/>
-              <a:hueOff val="0"/>
-              <a:satOff val="0"/>
-              <a:lumOff val="0"/>
-              <a:alphaOff val="0"/>
-            </a:schemeClr>
-          </a:solidFill>
-          <a:prstDash val="solid"/>
-          <a:miter lim="800000"/>
-        </a:ln>
-        <a:effectLst/>
-      </dsp:spPr>
-      <dsp:style>
-        <a:lnRef idx="2">
-          <a:scrgbClr r="0" g="0" b="0"/>
-        </a:lnRef>
-        <a:fillRef idx="1">
-          <a:scrgbClr r="0" g="0" b="0"/>
-        </a:fillRef>
-        <a:effectRef idx="0">
-          <a:scrgbClr r="0" g="0" b="0"/>
-        </a:effectRef>
-        <a:fontRef idx="minor"/>
-      </dsp:style>
-    </dsp:sp>
-    <dsp:sp modelId="{EE8733A1-7662-4D0A-B39E-2218596CC81C}">
-      <dsp:nvSpPr>
-        <dsp:cNvPr id="0" name=""/>
-        <dsp:cNvSpPr/>
-      </dsp:nvSpPr>
-      <dsp:spPr>
-        <a:xfrm>
-          <a:off x="3252363" y="1141563"/>
-          <a:ext cx="1475176" cy="1526872"/>
-        </a:xfrm>
-        <a:prstGeom prst="ellipse">
-          <a:avLst/>
-        </a:prstGeom>
-        <a:solidFill>
-          <a:schemeClr val="accent1">
-            <a:hueOff val="0"/>
-            <a:satOff val="0"/>
-            <a:lumOff val="0"/>
-            <a:alphaOff val="0"/>
-          </a:schemeClr>
-        </a:solidFill>
-        <a:ln w="12700" cap="flat" cmpd="sng" algn="ctr">
-          <a:solidFill>
-            <a:schemeClr val="lt1">
-              <a:hueOff val="0"/>
-              <a:satOff val="0"/>
-              <a:lumOff val="0"/>
-              <a:alphaOff val="0"/>
-            </a:schemeClr>
-          </a:solidFill>
-          <a:prstDash val="solid"/>
-          <a:miter lim="800000"/>
-        </a:ln>
-        <a:effectLst/>
-      </dsp:spPr>
-      <dsp:style>
-        <a:lnRef idx="2">
-          <a:scrgbClr r="0" g="0" b="0"/>
-        </a:lnRef>
-        <a:fillRef idx="1">
-          <a:scrgbClr r="0" g="0" b="0"/>
-        </a:fillRef>
-        <a:effectRef idx="0">
-          <a:scrgbClr r="0" g="0" b="0"/>
-        </a:effectRef>
-        <a:fontRef idx="minor">
-          <a:schemeClr val="lt1"/>
-        </a:fontRef>
-      </dsp:style>
-      <dsp:txBody>
-        <a:bodyPr spcFirstLastPara="0" vert="horz" wrap="square" lIns="11430" tIns="11430" rIns="11430" bIns="11430" numCol="1" spcCol="1270" anchor="ctr" anchorCtr="0">
-          <a:noAutofit/>
-        </a:bodyPr>
-        <a:lstStyle/>
-        <a:p>
-          <a:pPr lvl="0" algn="ctr" defTabSz="800100">
-            <a:lnSpc>
-              <a:spcPct val="90000"/>
-            </a:lnSpc>
-            <a:spcBef>
-              <a:spcPct val="0"/>
-            </a:spcBef>
-            <a:spcAft>
-              <a:spcPct val="35000"/>
-            </a:spcAft>
-          </a:pPr>
-          <a:r>
-            <a:rPr lang="pt-BR" sz="1800" kern="1200" noProof="0" dirty="0" smtClean="0"/>
-            <a:t>Trabalho</a:t>
-          </a:r>
-          <a:endParaRPr lang="pt-BR" sz="1800" kern="1200" noProof="0" dirty="0"/>
-        </a:p>
-      </dsp:txBody>
-      <dsp:txXfrm>
-        <a:off x="3468398" y="1365168"/>
-        <a:ext cx="1043106" cy="1079662"/>
-      </dsp:txXfrm>
-    </dsp:sp>
-    <dsp:sp modelId="{4BF699B1-BE15-42D1-9784-AA33CF29870E}">
-      <dsp:nvSpPr>
-        <dsp:cNvPr id="0" name=""/>
-        <dsp:cNvSpPr/>
-      </dsp:nvSpPr>
-      <dsp:spPr>
-        <a:xfrm>
-          <a:off x="7286497" y="893619"/>
-          <a:ext cx="2314039" cy="2022761"/>
-        </a:xfrm>
-        <a:prstGeom prst="rightArrow">
-          <a:avLst>
-            <a:gd name="adj1" fmla="val 70000"/>
-            <a:gd name="adj2" fmla="val 50000"/>
-          </a:avLst>
-        </a:prstGeom>
-        <a:solidFill>
-          <a:schemeClr val="accent1">
-            <a:alpha val="90000"/>
-            <a:tint val="40000"/>
-            <a:hueOff val="0"/>
-            <a:satOff val="0"/>
-            <a:lumOff val="0"/>
-            <a:alphaOff val="0"/>
-          </a:schemeClr>
-        </a:solidFill>
-        <a:ln w="12700" cap="flat" cmpd="sng" algn="ctr">
-          <a:solidFill>
-            <a:schemeClr val="accent1">
-              <a:alpha val="90000"/>
-              <a:tint val="40000"/>
-              <a:hueOff val="0"/>
-              <a:satOff val="0"/>
-              <a:lumOff val="0"/>
-              <a:alphaOff val="0"/>
-            </a:schemeClr>
-          </a:solidFill>
-          <a:prstDash val="solid"/>
-          <a:miter lim="800000"/>
-        </a:ln>
-        <a:effectLst/>
-      </dsp:spPr>
-      <dsp:style>
-        <a:lnRef idx="2">
-          <a:scrgbClr r="0" g="0" b="0"/>
-        </a:lnRef>
-        <a:fillRef idx="1">
-          <a:scrgbClr r="0" g="0" b="0"/>
-        </a:fillRef>
-        <a:effectRef idx="0">
-          <a:scrgbClr r="0" g="0" b="0"/>
-        </a:effectRef>
-        <a:fontRef idx="minor"/>
-      </dsp:style>
-    </dsp:sp>
-    <dsp:sp modelId="{78E9A4E4-18A9-4B73-8007-A63A71C71937}">
-      <dsp:nvSpPr>
-        <dsp:cNvPr id="0" name=""/>
-        <dsp:cNvSpPr/>
-      </dsp:nvSpPr>
-      <dsp:spPr>
-        <a:xfrm>
-          <a:off x="6448618" y="1160585"/>
-          <a:ext cx="1675757" cy="1488829"/>
-        </a:xfrm>
-        <a:prstGeom prst="ellipse">
-          <a:avLst/>
-        </a:prstGeom>
-        <a:solidFill>
-          <a:schemeClr val="accent1">
-            <a:hueOff val="0"/>
-            <a:satOff val="0"/>
-            <a:lumOff val="0"/>
-            <a:alphaOff val="0"/>
-          </a:schemeClr>
-        </a:solidFill>
-        <a:ln w="12700" cap="flat" cmpd="sng" algn="ctr">
-          <a:solidFill>
-            <a:schemeClr val="lt1">
-              <a:hueOff val="0"/>
-              <a:satOff val="0"/>
-              <a:lumOff val="0"/>
-              <a:alphaOff val="0"/>
-            </a:schemeClr>
-          </a:solidFill>
-          <a:prstDash val="solid"/>
-          <a:miter lim="800000"/>
-        </a:ln>
-        <a:effectLst/>
-      </dsp:spPr>
-      <dsp:style>
-        <a:lnRef idx="2">
-          <a:scrgbClr r="0" g="0" b="0"/>
-        </a:lnRef>
-        <a:fillRef idx="1">
-          <a:scrgbClr r="0" g="0" b="0"/>
-        </a:fillRef>
-        <a:effectRef idx="0">
-          <a:scrgbClr r="0" g="0" b="0"/>
-        </a:effectRef>
-        <a:fontRef idx="minor">
-          <a:schemeClr val="lt1"/>
-        </a:fontRef>
-      </dsp:style>
-      <dsp:txBody>
-        <a:bodyPr spcFirstLastPara="0" vert="horz" wrap="square" lIns="12700" tIns="12700" rIns="12700" bIns="12700" numCol="1" spcCol="1270" anchor="ctr" anchorCtr="0">
-          <a:noAutofit/>
-        </a:bodyPr>
-        <a:lstStyle/>
-        <a:p>
-          <a:pPr lvl="0" algn="ctr" defTabSz="889000">
-            <a:lnSpc>
-              <a:spcPct val="90000"/>
-            </a:lnSpc>
-            <a:spcBef>
-              <a:spcPct val="0"/>
-            </a:spcBef>
-            <a:spcAft>
-              <a:spcPct val="35000"/>
-            </a:spcAft>
-          </a:pPr>
-          <a:r>
-            <a:rPr lang="pt-BR" sz="2000" kern="1200" noProof="0" dirty="0" smtClean="0"/>
-            <a:t>Reunião</a:t>
-          </a:r>
-          <a:endParaRPr lang="pt-BR" sz="2000" kern="1200" noProof="0" dirty="0"/>
-        </a:p>
-      </dsp:txBody>
-      <dsp:txXfrm>
-        <a:off x="6694027" y="1378619"/>
-        <a:ext cx="1184939" cy="1052761"/>
-      </dsp:txXfrm>
-    </dsp:sp>
   </dsp:spTree>
 </dsp:drawing>
 </file>
@@ -17945,7 +17522,7 @@
   </p:txStyles>
   <p:extLst mod="1">
     <p:ext uri="{27BBF7A9-308A-43DC-89C8-2F10F3537804}">
-      <p15:sldGuideLst xmlns="" xmlns:p15="http://schemas.microsoft.com/office/powerpoint/2012/main">
+      <p15:sldGuideLst xmlns:p15="http://schemas.microsoft.com/office/powerpoint/2012/main">
         <p15:guide id="1" orient="horz" pos="2160" userDrawn="1">
           <p15:clr>
             <a:srgbClr val="F26B43"/>
@@ -18125,7 +17702,6 @@
               <a:rPr lang="pt-BR" dirty="0" smtClean="0"/>
               <a:t>Reunião as segundas feiras para Alocação da equipe e designação de tarefas</a:t>
             </a:r>
-            <a:endParaRPr lang="pt-BR" dirty="0" smtClean="0"/>
           </a:p>
           <a:p>
             <a:endParaRPr lang="pt-BR" dirty="0"/>
@@ -18168,11 +17744,7 @@
           <a:p>
             <a:r>
               <a:rPr lang="pt-BR" dirty="0" smtClean="0"/>
-              <a:t>Inicio no dia 01/09/2014 </a:t>
-            </a:r>
-            <a:r>
-              <a:rPr lang="pt-BR" dirty="0" smtClean="0"/>
-              <a:t>e fim quando terminar o projeto.</a:t>
+              <a:t>Inicio no dia 01/09/2014 e fim quando terminar o projeto.</a:t>
             </a:r>
             <a:endParaRPr lang="pt-BR" dirty="0"/>
           </a:p>
@@ -18368,14 +17940,12 @@
               <a:rPr lang="pt-BR" dirty="0" smtClean="0"/>
               <a:t>5 Computadores </a:t>
             </a:r>
-            <a:endParaRPr lang="pt-BR" dirty="0" smtClean="0"/>
           </a:p>
           <a:p>
             <a:r>
               <a:rPr lang="pt-BR" dirty="0" smtClean="0"/>
               <a:t>Impressora</a:t>
             </a:r>
-            <a:endParaRPr lang="pt-BR" dirty="0" smtClean="0"/>
           </a:p>
           <a:p>
             <a:r>
@@ -18534,7 +18104,6 @@
               <a:rPr lang="pt-BR" dirty="0"/>
               <a:t>Recursos Humanos</a:t>
             </a:r>
-            <a:endParaRPr lang="pt-BR" dirty="0"/>
           </a:p>
         </p:txBody>
       </p:sp>
@@ -20156,7 +19725,6 @@
               <a:rPr lang="pt-BR" dirty="0"/>
               <a:t>Reunião Inicial com o Cliente</a:t>
             </a:r>
-            <a:endParaRPr lang="pt-BR" dirty="0"/>
           </a:p>
         </p:txBody>
       </p:sp>
@@ -20191,7 +19759,19 @@
           <a:p>
             <a:r>
               <a:rPr lang="pt-BR" dirty="0" smtClean="0"/>
-              <a:t>Levantamos requisitos e geremos o Documento de Requisitos</a:t>
+              <a:t>Levantamos requisitos </a:t>
+            </a:r>
+            <a:r>
+              <a:rPr lang="pt-BR" smtClean="0"/>
+              <a:t>e </a:t>
+            </a:r>
+            <a:r>
+              <a:rPr lang="pt-BR" smtClean="0"/>
+              <a:t>geramos </a:t>
+            </a:r>
+            <a:r>
+              <a:rPr lang="pt-BR" dirty="0" smtClean="0"/>
+              <a:t>o Documento de Requisitos</a:t>
             </a:r>
             <a:endParaRPr lang="pt-BR" dirty="0"/>
           </a:p>
@@ -20454,7 +20034,6 @@
               <a:rPr lang="pt-BR" dirty="0" smtClean="0"/>
               <a:t>Levantamento dos recursos de Hardware e Software necessários para o projeto.</a:t>
             </a:r>
-            <a:endParaRPr lang="pt-BR" dirty="0" smtClean="0"/>
           </a:p>
           <a:p>
             <a:endParaRPr lang="pt-BR" dirty="0"/>
@@ -20591,7 +20170,6 @@
               <a:rPr lang="pt-BR" dirty="0" smtClean="0"/>
               <a:t>Inicio do desenvolvimento do diagrama de Classes.</a:t>
             </a:r>
-            <a:endParaRPr lang="pt-BR" dirty="0" smtClean="0"/>
           </a:p>
           <a:p>
             <a:endParaRPr lang="pt-BR" dirty="0"/>
@@ -20935,7 +20513,7 @@
   <a:extraClrSchemeLst/>
   <a:extLst>
     <a:ext uri="{05A4C25C-085E-4340-85A3-A5531E510DB2}">
-      <thm15:themeFamily xmlns="" xmlns:thm15="http://schemas.microsoft.com/office/thememl/2012/main" name="O15_4109default" id="{E728D685-11FC-4812-BA85-57AC6F9C9F40}" vid="{BC4E008B-95FF-4815-904E-143A8EDFC1D4}"/>
+      <thm15:themeFamily xmlns:thm15="http://schemas.microsoft.com/office/thememl/2012/main" name="O15_4109default" id="{E728D685-11FC-4812-BA85-57AC6F9C9F40}" vid="{BC4E008B-95FF-4815-904E-143A8EDFC1D4}"/>
     </a:ext>
   </a:extLst>
 </a:theme>

--- a/Apresentação.pptx
+++ b/Apresentação.pptx
@@ -5,10 +5,10 @@
     <p:sldMasterId id="2147483648" r:id="rId2"/>
   </p:sldMasterIdLst>
   <p:notesMasterIdLst>
-    <p:notesMasterId r:id="rId18"/>
+    <p:notesMasterId r:id="rId19"/>
   </p:notesMasterIdLst>
   <p:handoutMasterIdLst>
-    <p:handoutMasterId r:id="rId19"/>
+    <p:handoutMasterId r:id="rId20"/>
   </p:handoutMasterIdLst>
   <p:sldIdLst>
     <p:sldId id="275" r:id="rId3"/>
@@ -26,6 +26,7 @@
     <p:sldId id="280" r:id="rId15"/>
     <p:sldId id="281" r:id="rId16"/>
     <p:sldId id="279" r:id="rId17"/>
+    <p:sldId id="288" r:id="rId18"/>
   </p:sldIdLst>
   <p:sldSz cx="12192000" cy="6858000"/>
   <p:notesSz cx="6858000" cy="9144000"/>
@@ -126,7 +127,7 @@
   </p:defaultTextStyle>
   <p:extLst>
     <p:ext uri="{EFAFB233-063F-42B5-8137-9DF3F51BA10A}">
-      <p15:sldGuideLst xmlns:p15="http://schemas.microsoft.com/office/powerpoint/2012/main">
+      <p15:sldGuideLst xmlns:p15="http://schemas.microsoft.com/office/powerpoint/2012/main" xmlns="">
         <p15:guide id="1" pos="3840" userDrawn="1">
           <p15:clr>
             <a:srgbClr val="A4A3A4"/>
@@ -140,7 +141,7 @@
       </p15:sldGuideLst>
     </p:ext>
     <p:ext uri="{2D200454-40CA-4A62-9FC3-DE9A4176ACB9}">
-      <p15:notesGuideLst xmlns:p15="http://schemas.microsoft.com/office/powerpoint/2012/main"/>
+      <p15:notesGuideLst xmlns:p15="http://schemas.microsoft.com/office/powerpoint/2012/main" xmlns=""/>
     </p:ext>
   </p:extLst>
 </p:presentation>
@@ -1229,16 +1230,16 @@
     </dgm:pt>
   </dgm:ptLst>
   <dgm:cxnLst>
+    <dgm:cxn modelId="{393A42D7-E296-4805-BE5F-96D3FF35731E}" type="presOf" srcId="{E4E9F0D0-FF23-4B59-9B97-973BCBE5DC65}" destId="{610B5FFC-C0C9-444C-9F7A-14D1B54F604D}" srcOrd="0" destOrd="0" presId="urn:microsoft.com/office/officeart/2005/8/layout/hProcess6"/>
+    <dgm:cxn modelId="{7599CECE-5293-4C57-A979-D096C99254C7}" srcId="{FBA29113-7A70-4E0E-B036-871C49B835F1}" destId="{50706FFE-8A00-485D-9FF7-8D310692C602}" srcOrd="2" destOrd="0" parTransId="{EF44BD91-19A4-424B-BA32-4A5492B6E40B}" sibTransId="{CD03DFF4-D962-46D6-AFFA-2A87FD08403E}"/>
+    <dgm:cxn modelId="{A22BDB9A-90BB-4DA2-8850-00D4F1D3B898}" srcId="{FBA29113-7A70-4E0E-B036-871C49B835F1}" destId="{5D952622-A79E-41E4-BBC2-6212DEFFA91C}" srcOrd="1" destOrd="0" parTransId="{10627A68-BE4B-4A4A-9EC9-4CFEF1E4DF39}" sibTransId="{092BAEF3-D9F2-476B-9A0B-6F14CC814529}"/>
+    <dgm:cxn modelId="{91659D2E-B12A-482A-8CE6-C29BDE7CD07E}" type="presOf" srcId="{A6406C01-7E83-4650-8EF5-394419DCB348}" destId="{47DA5750-48DC-4E4F-815D-0B05DBC30DAB}" srcOrd="0" destOrd="0" presId="urn:microsoft.com/office/officeart/2005/8/layout/hProcess6"/>
     <dgm:cxn modelId="{F34CEA58-A28C-4B6C-A1FF-3B24C133DC54}" type="presOf" srcId="{FBA29113-7A70-4E0E-B036-871C49B835F1}" destId="{8734DFB3-ADD8-4FD2-87D8-1981AA0ADD0B}" srcOrd="0" destOrd="0" presId="urn:microsoft.com/office/officeart/2005/8/layout/hProcess6"/>
     <dgm:cxn modelId="{FB6A681F-E192-4954-8716-F92D40202DC1}" type="presOf" srcId="{5D952622-A79E-41E4-BBC2-6212DEFFA91C}" destId="{EE8733A1-7662-4D0A-B39E-2218596CC81C}" srcOrd="0" destOrd="0" presId="urn:microsoft.com/office/officeart/2005/8/layout/hProcess6"/>
-    <dgm:cxn modelId="{91659D2E-B12A-482A-8CE6-C29BDE7CD07E}" type="presOf" srcId="{A6406C01-7E83-4650-8EF5-394419DCB348}" destId="{47DA5750-48DC-4E4F-815D-0B05DBC30DAB}" srcOrd="0" destOrd="0" presId="urn:microsoft.com/office/officeart/2005/8/layout/hProcess6"/>
-    <dgm:cxn modelId="{A22BDB9A-90BB-4DA2-8850-00D4F1D3B898}" srcId="{FBA29113-7A70-4E0E-B036-871C49B835F1}" destId="{5D952622-A79E-41E4-BBC2-6212DEFFA91C}" srcOrd="1" destOrd="0" parTransId="{10627A68-BE4B-4A4A-9EC9-4CFEF1E4DF39}" sibTransId="{092BAEF3-D9F2-476B-9A0B-6F14CC814529}"/>
+    <dgm:cxn modelId="{9327DE29-3213-42C5-8773-219AC39862DA}" type="presOf" srcId="{50706FFE-8A00-485D-9FF7-8D310692C602}" destId="{78E9A4E4-18A9-4B73-8007-A63A71C71937}" srcOrd="0" destOrd="0" presId="urn:microsoft.com/office/officeart/2005/8/layout/hProcess6"/>
+    <dgm:cxn modelId="{FED919D6-1ABA-4E1A-85A2-9F09EBE5B504}" type="presOf" srcId="{E4E9F0D0-FF23-4B59-9B97-973BCBE5DC65}" destId="{FB705FC1-639E-4064-8E9A-A79870DE5273}" srcOrd="1" destOrd="0" presId="urn:microsoft.com/office/officeart/2005/8/layout/hProcess6"/>
     <dgm:cxn modelId="{37A3A996-9723-4BDB-8959-9D9B7799BD9A}" srcId="{A6406C01-7E83-4650-8EF5-394419DCB348}" destId="{E4E9F0D0-FF23-4B59-9B97-973BCBE5DC65}" srcOrd="0" destOrd="0" parTransId="{E9237435-F938-45D4-8BF4-6D5D4DFF850F}" sibTransId="{D32B195A-7CAD-474B-B79C-BE4BB171E742}"/>
     <dgm:cxn modelId="{4D956F8D-5727-488A-93AF-F33602655A44}" srcId="{FBA29113-7A70-4E0E-B036-871C49B835F1}" destId="{A6406C01-7E83-4650-8EF5-394419DCB348}" srcOrd="0" destOrd="0" parTransId="{2586B3BB-DA8B-42DF-AC9A-77CE21607FD0}" sibTransId="{7C5B61F0-A4F6-4FCA-B552-36151F31051E}"/>
-    <dgm:cxn modelId="{7599CECE-5293-4C57-A979-D096C99254C7}" srcId="{FBA29113-7A70-4E0E-B036-871C49B835F1}" destId="{50706FFE-8A00-485D-9FF7-8D310692C602}" srcOrd="2" destOrd="0" parTransId="{EF44BD91-19A4-424B-BA32-4A5492B6E40B}" sibTransId="{CD03DFF4-D962-46D6-AFFA-2A87FD08403E}"/>
-    <dgm:cxn modelId="{393A42D7-E296-4805-BE5F-96D3FF35731E}" type="presOf" srcId="{E4E9F0D0-FF23-4B59-9B97-973BCBE5DC65}" destId="{610B5FFC-C0C9-444C-9F7A-14D1B54F604D}" srcOrd="0" destOrd="0" presId="urn:microsoft.com/office/officeart/2005/8/layout/hProcess6"/>
-    <dgm:cxn modelId="{FED919D6-1ABA-4E1A-85A2-9F09EBE5B504}" type="presOf" srcId="{E4E9F0D0-FF23-4B59-9B97-973BCBE5DC65}" destId="{FB705FC1-639E-4064-8E9A-A79870DE5273}" srcOrd="1" destOrd="0" presId="urn:microsoft.com/office/officeart/2005/8/layout/hProcess6"/>
-    <dgm:cxn modelId="{9327DE29-3213-42C5-8773-219AC39862DA}" type="presOf" srcId="{50706FFE-8A00-485D-9FF7-8D310692C602}" destId="{78E9A4E4-18A9-4B73-8007-A63A71C71937}" srcOrd="0" destOrd="0" presId="urn:microsoft.com/office/officeart/2005/8/layout/hProcess6"/>
     <dgm:cxn modelId="{AE73C149-1972-4753-A9FE-170BD4B9B8E9}" type="presParOf" srcId="{8734DFB3-ADD8-4FD2-87D8-1981AA0ADD0B}" destId="{5C04AEFB-7132-4B28-A7D3-862245070A8D}" srcOrd="0" destOrd="0" presId="urn:microsoft.com/office/officeart/2005/8/layout/hProcess6"/>
     <dgm:cxn modelId="{5F1BED47-96CE-4E9E-BDCC-B332A2D3443B}" type="presParOf" srcId="{5C04AEFB-7132-4B28-A7D3-862245070A8D}" destId="{358F74AC-FC7D-465B-BD12-B6CCC00F3D29}" srcOrd="0" destOrd="0" presId="urn:microsoft.com/office/officeart/2005/8/layout/hProcess6"/>
     <dgm:cxn modelId="{4B249BE7-4395-4783-A926-ECAA63B9823F}" type="presParOf" srcId="{5C04AEFB-7132-4B28-A7D3-862245070A8D}" destId="{610B5FFC-C0C9-444C-9F7A-14D1B54F604D}" srcOrd="1" destOrd="0" presId="urn:microsoft.com/office/officeart/2005/8/layout/hProcess6"/>
@@ -1261,7 +1262,7 @@
   <dgm:whole/>
   <dgm:extLst>
     <a:ext uri="http://schemas.microsoft.com/office/drawing/2008/diagram">
-      <dsp:dataModelExt xmlns:dsp="http://schemas.microsoft.com/office/drawing/2008/diagram" relId="rId6" minVer="http://schemas.openxmlformats.org/drawingml/2006/diagram"/>
+      <dsp:dataModelExt xmlns:dsp="http://schemas.microsoft.com/office/drawing/2008/diagram" xmlns="" relId="rId6" minVer="http://schemas.openxmlformats.org/drawingml/2006/diagram"/>
     </a:ext>
   </dgm:extLst>
 </dgm:dataModel>
@@ -2766,7 +2767,7 @@
     </p:spTree>
     <p:extLst>
       <p:ext uri="{BB962C8B-B14F-4D97-AF65-F5344CB8AC3E}">
-        <p14:creationId xmlns:p14="http://schemas.microsoft.com/office/powerpoint/2010/main" val="4247389152"/>
+        <p14:creationId xmlns:p14="http://schemas.microsoft.com/office/powerpoint/2010/main" xmlns="" val="4247389152"/>
       </p:ext>
     </p:extLst>
   </p:cSld>
@@ -3026,7 +3027,7 @@
     </p:spTree>
     <p:extLst>
       <p:ext uri="{BB962C8B-B14F-4D97-AF65-F5344CB8AC3E}">
-        <p14:creationId xmlns:p14="http://schemas.microsoft.com/office/powerpoint/2010/main" val="2193636149"/>
+        <p14:creationId xmlns:p14="http://schemas.microsoft.com/office/powerpoint/2010/main" xmlns="" val="2193636149"/>
       </p:ext>
     </p:extLst>
   </p:cSld>
@@ -3206,7 +3207,7 @@
     </p:spTree>
     <p:extLst>
       <p:ext uri="{BB962C8B-B14F-4D97-AF65-F5344CB8AC3E}">
-        <p14:creationId xmlns:p14="http://schemas.microsoft.com/office/powerpoint/2010/main" val="1980303916"/>
+        <p14:creationId xmlns:p14="http://schemas.microsoft.com/office/powerpoint/2010/main" xmlns="" val="1980303916"/>
       </p:ext>
     </p:extLst>
   </p:cSld>
@@ -5205,20 +5206,20 @@
     </p:spTree>
     <p:extLst>
       <p:ext uri="{BB962C8B-B14F-4D97-AF65-F5344CB8AC3E}">
-        <p14:creationId xmlns:p14="http://schemas.microsoft.com/office/powerpoint/2010/main" val="798862757"/>
+        <p14:creationId xmlns:p14="http://schemas.microsoft.com/office/powerpoint/2010/main" xmlns="" val="798862757"/>
       </p:ext>
     </p:extLst>
   </p:cSld>
   <p:clrMapOvr>
     <a:masterClrMapping/>
   </p:clrMapOvr>
-  <mc:AlternateContent xmlns:mc="http://schemas.openxmlformats.org/markup-compatibility/2006" xmlns:p14="http://schemas.microsoft.com/office/powerpoint/2010/main">
-    <mc:Choice Requires="p14">
+  <mc:AlternateContent xmlns:mc="http://schemas.openxmlformats.org/markup-compatibility/2006">
+    <mc:Choice xmlns:p14="http://schemas.microsoft.com/office/powerpoint/2010/main" xmlns="" Requires="p14">
       <p:transition spd="med" p14:dur="700">
         <p:fade/>
       </p:transition>
     </mc:Choice>
-    <mc:Fallback xmlns="">
+    <mc:Fallback>
       <p:transition spd="med">
         <p:fade/>
       </p:transition>
@@ -5389,20 +5390,20 @@
     </p:spTree>
     <p:extLst>
       <p:ext uri="{BB962C8B-B14F-4D97-AF65-F5344CB8AC3E}">
-        <p14:creationId xmlns:p14="http://schemas.microsoft.com/office/powerpoint/2010/main" val="2477154221"/>
+        <p14:creationId xmlns:p14="http://schemas.microsoft.com/office/powerpoint/2010/main" xmlns="" val="2477154221"/>
       </p:ext>
     </p:extLst>
   </p:cSld>
   <p:clrMapOvr>
     <a:masterClrMapping/>
   </p:clrMapOvr>
-  <mc:AlternateContent xmlns:mc="http://schemas.openxmlformats.org/markup-compatibility/2006" xmlns:p14="http://schemas.microsoft.com/office/powerpoint/2010/main">
-    <mc:Choice Requires="p14">
+  <mc:AlternateContent xmlns:mc="http://schemas.openxmlformats.org/markup-compatibility/2006">
+    <mc:Choice xmlns:p14="http://schemas.microsoft.com/office/powerpoint/2010/main" xmlns="" Requires="p14">
       <p:transition spd="med" p14:dur="700">
         <p:fade/>
       </p:transition>
     </mc:Choice>
-    <mc:Fallback xmlns="">
+    <mc:Fallback>
       <p:transition spd="med">
         <p:fade/>
       </p:transition>
@@ -5583,20 +5584,20 @@
     </p:spTree>
     <p:extLst>
       <p:ext uri="{BB962C8B-B14F-4D97-AF65-F5344CB8AC3E}">
-        <p14:creationId xmlns:p14="http://schemas.microsoft.com/office/powerpoint/2010/main" val="2524635021"/>
+        <p14:creationId xmlns:p14="http://schemas.microsoft.com/office/powerpoint/2010/main" xmlns="" val="2524635021"/>
       </p:ext>
     </p:extLst>
   </p:cSld>
   <p:clrMapOvr>
     <a:masterClrMapping/>
   </p:clrMapOvr>
-  <mc:AlternateContent xmlns:mc="http://schemas.openxmlformats.org/markup-compatibility/2006" xmlns:p14="http://schemas.microsoft.com/office/powerpoint/2010/main">
-    <mc:Choice Requires="p14">
+  <mc:AlternateContent xmlns:mc="http://schemas.openxmlformats.org/markup-compatibility/2006">
+    <mc:Choice xmlns:p14="http://schemas.microsoft.com/office/powerpoint/2010/main" xmlns="" Requires="p14">
       <p:transition spd="med" p14:dur="700">
         <p:fade/>
       </p:transition>
     </mc:Choice>
-    <mc:Fallback xmlns="">
+    <mc:Fallback>
       <p:transition spd="med">
         <p:fade/>
       </p:transition>
@@ -5767,20 +5768,20 @@
     </p:spTree>
     <p:extLst>
       <p:ext uri="{BB962C8B-B14F-4D97-AF65-F5344CB8AC3E}">
-        <p14:creationId xmlns:p14="http://schemas.microsoft.com/office/powerpoint/2010/main" val="3112444112"/>
+        <p14:creationId xmlns:p14="http://schemas.microsoft.com/office/powerpoint/2010/main" xmlns="" val="3112444112"/>
       </p:ext>
     </p:extLst>
   </p:cSld>
   <p:clrMapOvr>
     <a:masterClrMapping/>
   </p:clrMapOvr>
-  <mc:AlternateContent xmlns:mc="http://schemas.openxmlformats.org/markup-compatibility/2006" xmlns:p14="http://schemas.microsoft.com/office/powerpoint/2010/main">
-    <mc:Choice Requires="p14">
+  <mc:AlternateContent xmlns:mc="http://schemas.openxmlformats.org/markup-compatibility/2006">
+    <mc:Choice xmlns:p14="http://schemas.microsoft.com/office/powerpoint/2010/main" xmlns="" Requires="p14">
       <p:transition spd="med" p14:dur="700">
         <p:fade/>
       </p:transition>
     </mc:Choice>
-    <mc:Fallback xmlns="">
+    <mc:Fallback>
       <p:transition spd="med">
         <p:fade/>
       </p:transition>
@@ -7803,20 +7804,20 @@
     </p:spTree>
     <p:extLst>
       <p:ext uri="{BB962C8B-B14F-4D97-AF65-F5344CB8AC3E}">
-        <p14:creationId xmlns:p14="http://schemas.microsoft.com/office/powerpoint/2010/main" val="3506778040"/>
+        <p14:creationId xmlns:p14="http://schemas.microsoft.com/office/powerpoint/2010/main" xmlns="" val="3506778040"/>
       </p:ext>
     </p:extLst>
   </p:cSld>
   <p:clrMapOvr>
     <a:overrideClrMapping bg1="dk1" tx1="lt1" bg2="dk2" tx2="lt2" accent1="accent1" accent2="accent2" accent3="accent3" accent4="accent4" accent5="accent5" accent6="accent6" hlink="hlink" folHlink="folHlink"/>
   </p:clrMapOvr>
-  <mc:AlternateContent xmlns:mc="http://schemas.openxmlformats.org/markup-compatibility/2006" xmlns:p14="http://schemas.microsoft.com/office/powerpoint/2010/main">
-    <mc:Choice Requires="p14">
+  <mc:AlternateContent xmlns:mc="http://schemas.openxmlformats.org/markup-compatibility/2006">
+    <mc:Choice xmlns:p14="http://schemas.microsoft.com/office/powerpoint/2010/main" xmlns="" Requires="p14">
       <p:transition spd="med" p14:dur="700">
         <p:fade/>
       </p:transition>
     </mc:Choice>
-    <mc:Fallback xmlns="">
+    <mc:Fallback>
       <p:transition spd="med">
         <p:fade/>
       </p:transition>
@@ -8109,20 +8110,20 @@
     </p:spTree>
     <p:extLst>
       <p:ext uri="{BB962C8B-B14F-4D97-AF65-F5344CB8AC3E}">
-        <p14:creationId xmlns:p14="http://schemas.microsoft.com/office/powerpoint/2010/main" val="4044567947"/>
+        <p14:creationId xmlns:p14="http://schemas.microsoft.com/office/powerpoint/2010/main" xmlns="" val="4044567947"/>
       </p:ext>
     </p:extLst>
   </p:cSld>
   <p:clrMapOvr>
     <a:masterClrMapping/>
   </p:clrMapOvr>
-  <mc:AlternateContent xmlns:mc="http://schemas.openxmlformats.org/markup-compatibility/2006" xmlns:p14="http://schemas.microsoft.com/office/powerpoint/2010/main">
-    <mc:Choice Requires="p14">
+  <mc:AlternateContent xmlns:mc="http://schemas.openxmlformats.org/markup-compatibility/2006">
+    <mc:Choice xmlns:p14="http://schemas.microsoft.com/office/powerpoint/2010/main" xmlns="" Requires="p14">
       <p:transition spd="med" p14:dur="700">
         <p:fade/>
       </p:transition>
     </mc:Choice>
-    <mc:Fallback xmlns="">
+    <mc:Fallback>
       <p:transition spd="med">
         <p:fade/>
       </p:transition>
@@ -8563,20 +8564,20 @@
     </p:spTree>
     <p:extLst>
       <p:ext uri="{BB962C8B-B14F-4D97-AF65-F5344CB8AC3E}">
-        <p14:creationId xmlns:p14="http://schemas.microsoft.com/office/powerpoint/2010/main" val="3397906568"/>
+        <p14:creationId xmlns:p14="http://schemas.microsoft.com/office/powerpoint/2010/main" xmlns="" val="3397906568"/>
       </p:ext>
     </p:extLst>
   </p:cSld>
   <p:clrMapOvr>
     <a:masterClrMapping/>
   </p:clrMapOvr>
-  <mc:AlternateContent xmlns:mc="http://schemas.openxmlformats.org/markup-compatibility/2006" xmlns:p14="http://schemas.microsoft.com/office/powerpoint/2010/main">
-    <mc:Choice Requires="p14">
+  <mc:AlternateContent xmlns:mc="http://schemas.openxmlformats.org/markup-compatibility/2006">
+    <mc:Choice xmlns:p14="http://schemas.microsoft.com/office/powerpoint/2010/main" xmlns="" Requires="p14">
       <p:transition spd="med" p14:dur="700">
         <p:fade/>
       </p:transition>
     </mc:Choice>
-    <mc:Fallback xmlns="">
+    <mc:Fallback>
       <p:transition spd="med">
         <p:fade/>
       </p:transition>
@@ -8695,20 +8696,20 @@
     </p:spTree>
     <p:extLst>
       <p:ext uri="{BB962C8B-B14F-4D97-AF65-F5344CB8AC3E}">
-        <p14:creationId xmlns:p14="http://schemas.microsoft.com/office/powerpoint/2010/main" val="3238976713"/>
+        <p14:creationId xmlns:p14="http://schemas.microsoft.com/office/powerpoint/2010/main" xmlns="" val="3238976713"/>
       </p:ext>
     </p:extLst>
   </p:cSld>
   <p:clrMapOvr>
     <a:masterClrMapping/>
   </p:clrMapOvr>
-  <mc:AlternateContent xmlns:mc="http://schemas.openxmlformats.org/markup-compatibility/2006" xmlns:p14="http://schemas.microsoft.com/office/powerpoint/2010/main">
-    <mc:Choice Requires="p14">
+  <mc:AlternateContent xmlns:mc="http://schemas.openxmlformats.org/markup-compatibility/2006">
+    <mc:Choice xmlns:p14="http://schemas.microsoft.com/office/powerpoint/2010/main" xmlns="" Requires="p14">
       <p:transition spd="med" p14:dur="700">
         <p:fade/>
       </p:transition>
     </mc:Choice>
-    <mc:Fallback xmlns="">
+    <mc:Fallback>
       <p:transition spd="med">
         <p:fade/>
       </p:transition>
@@ -10627,20 +10628,20 @@
     </p:spTree>
     <p:extLst>
       <p:ext uri="{BB962C8B-B14F-4D97-AF65-F5344CB8AC3E}">
-        <p14:creationId xmlns:p14="http://schemas.microsoft.com/office/powerpoint/2010/main" val="2146817227"/>
+        <p14:creationId xmlns:p14="http://schemas.microsoft.com/office/powerpoint/2010/main" xmlns="" val="2146817227"/>
       </p:ext>
     </p:extLst>
   </p:cSld>
   <p:clrMapOvr>
     <a:masterClrMapping/>
   </p:clrMapOvr>
-  <mc:AlternateContent xmlns:mc="http://schemas.openxmlformats.org/markup-compatibility/2006" xmlns:p14="http://schemas.microsoft.com/office/powerpoint/2010/main">
-    <mc:Choice Requires="p14">
+  <mc:AlternateContent xmlns:mc="http://schemas.openxmlformats.org/markup-compatibility/2006">
+    <mc:Choice xmlns:p14="http://schemas.microsoft.com/office/powerpoint/2010/main" xmlns="" Requires="p14">
       <p:transition spd="med" p14:dur="700">
         <p:fade/>
       </p:transition>
     </mc:Choice>
-    <mc:Fallback xmlns="">
+    <mc:Fallback>
       <p:transition spd="med">
         <p:fade/>
       </p:transition>
@@ -12875,20 +12876,20 @@
     </p:spTree>
     <p:extLst>
       <p:ext uri="{BB962C8B-B14F-4D97-AF65-F5344CB8AC3E}">
-        <p14:creationId xmlns:p14="http://schemas.microsoft.com/office/powerpoint/2010/main" val="1667374130"/>
+        <p14:creationId xmlns:p14="http://schemas.microsoft.com/office/powerpoint/2010/main" xmlns="" val="1667374130"/>
       </p:ext>
     </p:extLst>
   </p:cSld>
   <p:clrMapOvr>
     <a:masterClrMapping/>
   </p:clrMapOvr>
-  <mc:AlternateContent xmlns:mc="http://schemas.openxmlformats.org/markup-compatibility/2006" xmlns:p14="http://schemas.microsoft.com/office/powerpoint/2010/main">
-    <mc:Choice Requires="p14">
+  <mc:AlternateContent xmlns:mc="http://schemas.openxmlformats.org/markup-compatibility/2006">
+    <mc:Choice xmlns:p14="http://schemas.microsoft.com/office/powerpoint/2010/main" xmlns="" Requires="p14">
       <p:transition spd="med" p14:dur="700">
         <p:fade/>
       </p:transition>
     </mc:Choice>
-    <mc:Fallback xmlns="">
+    <mc:Fallback>
       <p:transition spd="med">
         <p:fade/>
       </p:transition>
@@ -15034,20 +15035,20 @@
     </p:spTree>
     <p:extLst>
       <p:ext uri="{BB962C8B-B14F-4D97-AF65-F5344CB8AC3E}">
-        <p14:creationId xmlns:p14="http://schemas.microsoft.com/office/powerpoint/2010/main" val="620318007"/>
+        <p14:creationId xmlns:p14="http://schemas.microsoft.com/office/powerpoint/2010/main" xmlns="" val="620318007"/>
       </p:ext>
     </p:extLst>
   </p:cSld>
   <p:clrMapOvr>
     <a:masterClrMapping/>
   </p:clrMapOvr>
-  <mc:AlternateContent xmlns:mc="http://schemas.openxmlformats.org/markup-compatibility/2006" xmlns:p14="http://schemas.microsoft.com/office/powerpoint/2010/main">
-    <mc:Choice Requires="p14">
+  <mc:AlternateContent xmlns:mc="http://schemas.openxmlformats.org/markup-compatibility/2006">
+    <mc:Choice xmlns:p14="http://schemas.microsoft.com/office/powerpoint/2010/main" xmlns="" Requires="p14">
       <p:transition spd="med" p14:dur="700">
         <p:fade/>
       </p:transition>
     </mc:Choice>
-    <mc:Fallback xmlns="">
+    <mc:Fallback>
       <p:transition spd="med">
         <p:fade/>
       </p:transition>
@@ -17173,7 +17174,7 @@
     </p:spTree>
     <p:extLst>
       <p:ext uri="{BB962C8B-B14F-4D97-AF65-F5344CB8AC3E}">
-        <p14:creationId xmlns:p14="http://schemas.microsoft.com/office/powerpoint/2010/main" val="1943259863"/>
+        <p14:creationId xmlns:p14="http://schemas.microsoft.com/office/powerpoint/2010/main" xmlns="" val="1943259863"/>
       </p:ext>
     </p:extLst>
   </p:cSld>
@@ -17191,13 +17192,13 @@
     <p:sldLayoutId id="2147483658" r:id="rId10"/>
     <p:sldLayoutId id="2147483659" r:id="rId11"/>
   </p:sldLayoutIdLst>
-  <mc:AlternateContent xmlns:mc="http://schemas.openxmlformats.org/markup-compatibility/2006" xmlns:p14="http://schemas.microsoft.com/office/powerpoint/2010/main">
-    <mc:Choice Requires="p14">
+  <mc:AlternateContent xmlns:mc="http://schemas.openxmlformats.org/markup-compatibility/2006">
+    <mc:Choice xmlns:p14="http://schemas.microsoft.com/office/powerpoint/2010/main" xmlns="" Requires="p14">
       <p:transition spd="med" p14:dur="700">
         <p:fade/>
       </p:transition>
     </mc:Choice>
-    <mc:Fallback xmlns="">
+    <mc:Fallback>
       <p:transition spd="med">
         <p:fade/>
       </p:transition>
@@ -17522,7 +17523,7 @@
   </p:txStyles>
   <p:extLst mod="1">
     <p:ext uri="{27BBF7A9-308A-43DC-89C8-2F10F3537804}">
-      <p15:sldGuideLst xmlns:p15="http://schemas.microsoft.com/office/powerpoint/2012/main">
+      <p15:sldGuideLst xmlns:p15="http://schemas.microsoft.com/office/powerpoint/2012/main" xmlns="">
         <p15:guide id="1" orient="horz" pos="2160" userDrawn="1">
           <p15:clr>
             <a:srgbClr val="F26B43"/>
@@ -17609,20 +17610,20 @@
     </p:spTree>
     <p:extLst>
       <p:ext uri="{BB962C8B-B14F-4D97-AF65-F5344CB8AC3E}">
-        <p14:creationId xmlns:p14="http://schemas.microsoft.com/office/powerpoint/2010/main" val="104205655"/>
+        <p14:creationId xmlns:p14="http://schemas.microsoft.com/office/powerpoint/2010/main" xmlns="" val="104205655"/>
       </p:ext>
     </p:extLst>
   </p:cSld>
   <p:clrMapOvr>
     <a:masterClrMapping/>
   </p:clrMapOvr>
-  <mc:AlternateContent xmlns:mc="http://schemas.openxmlformats.org/markup-compatibility/2006" xmlns:p14="http://schemas.microsoft.com/office/powerpoint/2010/main">
-    <mc:Choice Requires="p14">
+  <mc:AlternateContent xmlns:mc="http://schemas.openxmlformats.org/markup-compatibility/2006">
+    <mc:Choice xmlns:p14="http://schemas.microsoft.com/office/powerpoint/2010/main" xmlns="" Requires="p14">
       <p:transition spd="med" p14:dur="700">
         <p:fade/>
       </p:transition>
     </mc:Choice>
-    <mc:Fallback xmlns="">
+    <mc:Fallback>
       <p:transition spd="med">
         <p:fade/>
       </p:transition>
@@ -17753,20 +17754,20 @@
     </p:spTree>
     <p:extLst>
       <p:ext uri="{BB962C8B-B14F-4D97-AF65-F5344CB8AC3E}">
-        <p14:creationId xmlns:p14="http://schemas.microsoft.com/office/powerpoint/2010/main" val="2734932250"/>
+        <p14:creationId xmlns:p14="http://schemas.microsoft.com/office/powerpoint/2010/main" xmlns="" val="2734932250"/>
       </p:ext>
     </p:extLst>
   </p:cSld>
   <p:clrMapOvr>
     <a:masterClrMapping/>
   </p:clrMapOvr>
-  <mc:AlternateContent xmlns:mc="http://schemas.openxmlformats.org/markup-compatibility/2006" xmlns:p14="http://schemas.microsoft.com/office/powerpoint/2010/main">
-    <mc:Choice Requires="p14">
+  <mc:AlternateContent xmlns:mc="http://schemas.openxmlformats.org/markup-compatibility/2006">
+    <mc:Choice xmlns:p14="http://schemas.microsoft.com/office/powerpoint/2010/main" xmlns="" Requires="p14">
       <p:transition spd="med" p14:dur="700">
         <p:fade/>
       </p:transition>
     </mc:Choice>
-    <mc:Fallback xmlns="">
+    <mc:Fallback>
       <p:transition spd="med">
         <p:fade/>
       </p:transition>
@@ -17832,7 +17833,7 @@
             <p:ph idx="1"/>
             <p:extLst>
               <p:ext uri="{D42A27DB-BD31-4B8C-83A1-F6EECF244321}">
-                <p14:modId xmlns:p14="http://schemas.microsoft.com/office/powerpoint/2010/main" val="2360170066"/>
+                <p14:modId xmlns:p14="http://schemas.microsoft.com/office/powerpoint/2010/main" xmlns="" val="2360170066"/>
               </p:ext>
             </p:extLst>
           </p:nvPr>
@@ -17850,20 +17851,20 @@
     </p:spTree>
     <p:extLst>
       <p:ext uri="{BB962C8B-B14F-4D97-AF65-F5344CB8AC3E}">
-        <p14:creationId xmlns:p14="http://schemas.microsoft.com/office/powerpoint/2010/main" val="257900819"/>
+        <p14:creationId xmlns:p14="http://schemas.microsoft.com/office/powerpoint/2010/main" xmlns="" val="257900819"/>
       </p:ext>
     </p:extLst>
   </p:cSld>
   <p:clrMapOvr>
     <a:masterClrMapping/>
   </p:clrMapOvr>
-  <mc:AlternateContent xmlns:mc="http://schemas.openxmlformats.org/markup-compatibility/2006" xmlns:p14="http://schemas.microsoft.com/office/powerpoint/2010/main">
-    <mc:Choice Requires="p14">
+  <mc:AlternateContent xmlns:mc="http://schemas.openxmlformats.org/markup-compatibility/2006">
+    <mc:Choice xmlns:p14="http://schemas.microsoft.com/office/powerpoint/2010/main" xmlns="" Requires="p14">
       <p:transition spd="med" p14:dur="700">
         <p:fade/>
       </p:transition>
     </mc:Choice>
-    <mc:Fallback xmlns="">
+    <mc:Fallback>
       <p:transition spd="med">
         <p:fade/>
       </p:transition>
@@ -18039,20 +18040,20 @@
     </p:spTree>
     <p:extLst>
       <p:ext uri="{BB962C8B-B14F-4D97-AF65-F5344CB8AC3E}">
-        <p14:creationId xmlns:p14="http://schemas.microsoft.com/office/powerpoint/2010/main" val="2754446620"/>
+        <p14:creationId xmlns:p14="http://schemas.microsoft.com/office/powerpoint/2010/main" xmlns="" val="2754446620"/>
       </p:ext>
     </p:extLst>
   </p:cSld>
   <p:clrMapOvr>
     <a:masterClrMapping/>
   </p:clrMapOvr>
-  <mc:AlternateContent xmlns:mc="http://schemas.openxmlformats.org/markup-compatibility/2006" xmlns:p14="http://schemas.microsoft.com/office/powerpoint/2010/main">
-    <mc:Choice Requires="p14">
+  <mc:AlternateContent xmlns:mc="http://schemas.openxmlformats.org/markup-compatibility/2006">
+    <mc:Choice xmlns:p14="http://schemas.microsoft.com/office/powerpoint/2010/main" xmlns="" Requires="p14">
       <p:transition spd="med" p14:dur="700">
         <p:fade/>
       </p:transition>
     </mc:Choice>
-    <mc:Fallback xmlns="">
+    <mc:Fallback>
       <p:transition spd="med">
         <p:fade/>
       </p:transition>
@@ -18117,7 +18118,7 @@
             <p:ph sz="half" idx="2"/>
             <p:extLst>
               <p:ext uri="{D42A27DB-BD31-4B8C-83A1-F6EECF244321}">
-                <p14:modId xmlns:p14="http://schemas.microsoft.com/office/powerpoint/2010/main" val="1802756608"/>
+                <p14:modId xmlns:p14="http://schemas.microsoft.com/office/powerpoint/2010/main" xmlns="" val="1802756608"/>
               </p:ext>
             </p:extLst>
           </p:nvPr>
@@ -18643,20 +18644,20 @@
     </p:spTree>
     <p:extLst>
       <p:ext uri="{BB962C8B-B14F-4D97-AF65-F5344CB8AC3E}">
-        <p14:creationId xmlns:p14="http://schemas.microsoft.com/office/powerpoint/2010/main" val="1535979495"/>
+        <p14:creationId xmlns:p14="http://schemas.microsoft.com/office/powerpoint/2010/main" xmlns="" val="1535979495"/>
       </p:ext>
     </p:extLst>
   </p:cSld>
   <p:clrMapOvr>
     <a:masterClrMapping/>
   </p:clrMapOvr>
-  <mc:AlternateContent xmlns:mc="http://schemas.openxmlformats.org/markup-compatibility/2006" xmlns:p14="http://schemas.microsoft.com/office/powerpoint/2010/main">
-    <mc:Choice Requires="p14">
+  <mc:AlternateContent xmlns:mc="http://schemas.openxmlformats.org/markup-compatibility/2006">
+    <mc:Choice xmlns:p14="http://schemas.microsoft.com/office/powerpoint/2010/main" xmlns="" Requires="p14">
       <p:transition spd="med" p14:dur="700">
         <p:fade/>
       </p:transition>
     </mc:Choice>
-    <mc:Fallback xmlns="">
+    <mc:Fallback>
       <p:transition spd="med">
         <p:fade/>
       </p:transition>
@@ -18722,7 +18723,7 @@
             <p:ph sz="half" idx="2"/>
             <p:extLst>
               <p:ext uri="{D42A27DB-BD31-4B8C-83A1-F6EECF244321}">
-                <p14:modId xmlns:p14="http://schemas.microsoft.com/office/powerpoint/2010/main" val="1443302683"/>
+                <p14:modId xmlns:p14="http://schemas.microsoft.com/office/powerpoint/2010/main" xmlns="" val="1443302683"/>
               </p:ext>
             </p:extLst>
           </p:nvPr>
@@ -18936,20 +18937,20 @@
     </p:spTree>
     <p:extLst>
       <p:ext uri="{BB962C8B-B14F-4D97-AF65-F5344CB8AC3E}">
-        <p14:creationId xmlns:p14="http://schemas.microsoft.com/office/powerpoint/2010/main" val="3009830679"/>
+        <p14:creationId xmlns:p14="http://schemas.microsoft.com/office/powerpoint/2010/main" xmlns="" val="3009830679"/>
       </p:ext>
     </p:extLst>
   </p:cSld>
   <p:clrMapOvr>
     <a:masterClrMapping/>
   </p:clrMapOvr>
-  <mc:AlternateContent xmlns:mc="http://schemas.openxmlformats.org/markup-compatibility/2006" xmlns:p14="http://schemas.microsoft.com/office/powerpoint/2010/main">
-    <mc:Choice Requires="p14">
+  <mc:AlternateContent xmlns:mc="http://schemas.openxmlformats.org/markup-compatibility/2006">
+    <mc:Choice xmlns:p14="http://schemas.microsoft.com/office/powerpoint/2010/main" xmlns="" Requires="p14">
       <p:transition spd="med" p14:dur="700">
         <p:fade/>
       </p:transition>
     </mc:Choice>
-    <mc:Fallback xmlns="">
+    <mc:Fallback>
       <p:transition spd="med">
         <p:fade/>
       </p:transition>
@@ -19021,7 +19022,7 @@
           <a:blip r:embed="rId2">
             <a:extLst>
               <a:ext uri="{28A0092B-C50C-407E-A947-70E740481C1C}">
-                <a14:useLocalDpi xmlns:a14="http://schemas.microsoft.com/office/drawing/2010/main" val="0"/>
+                <a14:useLocalDpi xmlns:a14="http://schemas.microsoft.com/office/drawing/2010/main" xmlns="" val="0"/>
               </a:ext>
             </a:extLst>
           </a:blip>
@@ -19042,20 +19043,104 @@
     </p:spTree>
     <p:extLst>
       <p:ext uri="{BB962C8B-B14F-4D97-AF65-F5344CB8AC3E}">
-        <p14:creationId xmlns:p14="http://schemas.microsoft.com/office/powerpoint/2010/main" val="2659103957"/>
+        <p14:creationId xmlns:p14="http://schemas.microsoft.com/office/powerpoint/2010/main" xmlns="" val="2659103957"/>
       </p:ext>
     </p:extLst>
   </p:cSld>
   <p:clrMapOvr>
     <a:masterClrMapping/>
   </p:clrMapOvr>
-  <mc:AlternateContent xmlns:mc="http://schemas.openxmlformats.org/markup-compatibility/2006" xmlns:p14="http://schemas.microsoft.com/office/powerpoint/2010/main">
-    <mc:Choice Requires="p14">
+  <mc:AlternateContent xmlns:mc="http://schemas.openxmlformats.org/markup-compatibility/2006">
+    <mc:Choice xmlns:p14="http://schemas.microsoft.com/office/powerpoint/2010/main" xmlns="" Requires="p14">
       <p:transition spd="med" p14:dur="700">
         <p:fade/>
       </p:transition>
     </mc:Choice>
-    <mc:Fallback xmlns="">
+    <mc:Fallback>
+      <p:transition spd="med">
+        <p:fade/>
+      </p:transition>
+    </mc:Fallback>
+  </mc:AlternateContent>
+  <p:timing>
+    <p:tnLst>
+      <p:par>
+        <p:cTn id="1" dur="indefinite" restart="never" nodeType="tmRoot"/>
+      </p:par>
+    </p:tnLst>
+  </p:timing>
+</p:sld>
+</file>
+
+<file path=ppt/slides/slide16.xml><?xml version="1.0" encoding="utf-8"?>
+<p:sld xmlns:a="http://schemas.openxmlformats.org/drawingml/2006/main" xmlns:r="http://schemas.openxmlformats.org/officeDocument/2006/relationships" xmlns:p="http://schemas.openxmlformats.org/presentationml/2006/main">
+  <p:cSld>
+    <p:spTree>
+      <p:nvGrpSpPr>
+        <p:cNvPr id="1" name=""/>
+        <p:cNvGrpSpPr/>
+        <p:nvPr/>
+      </p:nvGrpSpPr>
+      <p:grpSpPr>
+        <a:xfrm>
+          <a:off x="0" y="0"/>
+          <a:ext cx="0" cy="0"/>
+          <a:chOff x="0" y="0"/>
+          <a:chExt cx="0" cy="0"/>
+        </a:xfrm>
+      </p:grpSpPr>
+      <p:sp>
+        <p:nvSpPr>
+          <p:cNvPr id="2" name="Título 1"/>
+          <p:cNvSpPr>
+            <a:spLocks noGrp="1"/>
+          </p:cNvSpPr>
+          <p:nvPr>
+            <p:ph type="title"/>
+          </p:nvPr>
+        </p:nvSpPr>
+        <p:spPr/>
+        <p:txBody>
+          <a:bodyPr/>
+          <a:lstStyle/>
+          <a:p>
+            <a:r>
+              <a:rPr lang="pt-BR" dirty="0" err="1" smtClean="0"/>
+              <a:t>Ops</a:t>
+            </a:r>
+            <a:r>
+              <a:rPr lang="pt-BR" dirty="0" smtClean="0"/>
+              <a:t>... Gráfico de </a:t>
+            </a:r>
+            <a:r>
+              <a:rPr lang="pt-BR" dirty="0" err="1" smtClean="0"/>
+              <a:t>Gantt</a:t>
+            </a:r>
+            <a:r>
+              <a:rPr lang="pt-BR" dirty="0" smtClean="0"/>
+              <a:t>!</a:t>
+            </a:r>
+            <a:endParaRPr lang="pt-BR" dirty="0"/>
+          </a:p>
+        </p:txBody>
+      </p:sp>
+    </p:spTree>
+    <p:extLst>
+      <p:ext uri="{BB962C8B-B14F-4D97-AF65-F5344CB8AC3E}">
+        <p14:creationId xmlns:p14="http://schemas.microsoft.com/office/powerpoint/2010/main" xmlns="" val="2659103957"/>
+      </p:ext>
+    </p:extLst>
+  </p:cSld>
+  <p:clrMapOvr>
+    <a:masterClrMapping/>
+  </p:clrMapOvr>
+  <mc:AlternateContent xmlns:mc="http://schemas.openxmlformats.org/markup-compatibility/2006">
+    <mc:Choice xmlns:p14="http://schemas.microsoft.com/office/powerpoint/2010/main" xmlns="" Requires="p14">
+      <p:transition spd="med" p14:dur="700">
+        <p:fade/>
+      </p:transition>
+    </mc:Choice>
+    <mc:Fallback>
       <p:transition spd="med">
         <p:fade/>
       </p:transition>
@@ -19182,20 +19267,20 @@
     </p:spTree>
     <p:extLst>
       <p:ext uri="{BB962C8B-B14F-4D97-AF65-F5344CB8AC3E}">
-        <p14:creationId xmlns:p14="http://schemas.microsoft.com/office/powerpoint/2010/main" val="4135479302"/>
+        <p14:creationId xmlns:p14="http://schemas.microsoft.com/office/powerpoint/2010/main" xmlns="" val="4135479302"/>
       </p:ext>
     </p:extLst>
   </p:cSld>
   <p:clrMapOvr>
     <a:masterClrMapping/>
   </p:clrMapOvr>
-  <mc:AlternateContent xmlns:mc="http://schemas.openxmlformats.org/markup-compatibility/2006" xmlns:p14="http://schemas.microsoft.com/office/powerpoint/2010/main">
-    <mc:Choice Requires="p14">
+  <mc:AlternateContent xmlns:mc="http://schemas.openxmlformats.org/markup-compatibility/2006">
+    <mc:Choice xmlns:p14="http://schemas.microsoft.com/office/powerpoint/2010/main" xmlns="" Requires="p14">
       <p:transition spd="med" p14:dur="700">
         <p:fade/>
       </p:transition>
     </mc:Choice>
-    <mc:Fallback xmlns="">
+    <mc:Fallback>
       <p:transition spd="med">
         <p:fade/>
       </p:transition>
@@ -19384,20 +19469,20 @@
     </p:spTree>
     <p:extLst>
       <p:ext uri="{BB962C8B-B14F-4D97-AF65-F5344CB8AC3E}">
-        <p14:creationId xmlns:p14="http://schemas.microsoft.com/office/powerpoint/2010/main" val="3309728119"/>
+        <p14:creationId xmlns:p14="http://schemas.microsoft.com/office/powerpoint/2010/main" xmlns="" val="3309728119"/>
       </p:ext>
     </p:extLst>
   </p:cSld>
   <p:clrMapOvr>
     <a:masterClrMapping/>
   </p:clrMapOvr>
-  <mc:AlternateContent xmlns:mc="http://schemas.openxmlformats.org/markup-compatibility/2006" xmlns:p14="http://schemas.microsoft.com/office/powerpoint/2010/main">
-    <mc:Choice Requires="p14">
+  <mc:AlternateContent xmlns:mc="http://schemas.openxmlformats.org/markup-compatibility/2006">
+    <mc:Choice xmlns:p14="http://schemas.microsoft.com/office/powerpoint/2010/main" xmlns="" Requires="p14">
       <p:transition spd="med" p14:dur="700">
         <p:fade/>
       </p:transition>
     </mc:Choice>
-    <mc:Fallback xmlns="">
+    <mc:Fallback>
       <p:transition spd="med">
         <p:fade/>
       </p:transition>
@@ -19588,20 +19673,20 @@
     </p:spTree>
     <p:extLst>
       <p:ext uri="{BB962C8B-B14F-4D97-AF65-F5344CB8AC3E}">
-        <p14:creationId xmlns:p14="http://schemas.microsoft.com/office/powerpoint/2010/main" val="1278837770"/>
+        <p14:creationId xmlns:p14="http://schemas.microsoft.com/office/powerpoint/2010/main" xmlns="" val="1278837770"/>
       </p:ext>
     </p:extLst>
   </p:cSld>
   <p:clrMapOvr>
     <a:masterClrMapping/>
   </p:clrMapOvr>
-  <mc:AlternateContent xmlns:mc="http://schemas.openxmlformats.org/markup-compatibility/2006" xmlns:p14="http://schemas.microsoft.com/office/powerpoint/2010/main">
-    <mc:Choice Requires="p14">
+  <mc:AlternateContent xmlns:mc="http://schemas.openxmlformats.org/markup-compatibility/2006">
+    <mc:Choice xmlns:p14="http://schemas.microsoft.com/office/powerpoint/2010/main" xmlns="" Requires="p14">
       <p:transition spd="med" p14:dur="700">
         <p:fade/>
       </p:transition>
     </mc:Choice>
-    <mc:Fallback xmlns="">
+    <mc:Fallback>
       <p:transition spd="med">
         <p:fade/>
       </p:transition>
@@ -19660,20 +19745,20 @@
     </p:spTree>
     <p:extLst>
       <p:ext uri="{BB962C8B-B14F-4D97-AF65-F5344CB8AC3E}">
-        <p14:creationId xmlns:p14="http://schemas.microsoft.com/office/powerpoint/2010/main" val="839218431"/>
+        <p14:creationId xmlns:p14="http://schemas.microsoft.com/office/powerpoint/2010/main" xmlns="" val="839218431"/>
       </p:ext>
     </p:extLst>
   </p:cSld>
   <p:clrMapOvr>
     <a:masterClrMapping/>
   </p:clrMapOvr>
-  <mc:AlternateContent xmlns:mc="http://schemas.openxmlformats.org/markup-compatibility/2006" xmlns:p14="http://schemas.microsoft.com/office/powerpoint/2010/main">
-    <mc:Choice Requires="p14">
+  <mc:AlternateContent xmlns:mc="http://schemas.openxmlformats.org/markup-compatibility/2006">
+    <mc:Choice xmlns:p14="http://schemas.microsoft.com/office/powerpoint/2010/main" xmlns="" Requires="p14">
       <p:transition spd="med" p14:dur="700">
         <p:fade/>
       </p:transition>
     </mc:Choice>
-    <mc:Fallback xmlns="">
+    <mc:Fallback>
       <p:transition spd="med">
         <p:fade/>
       </p:transition>
@@ -19763,11 +19848,7 @@
             </a:r>
             <a:r>
               <a:rPr lang="pt-BR" smtClean="0"/>
-              <a:t>e </a:t>
-            </a:r>
-            <a:r>
-              <a:rPr lang="pt-BR" smtClean="0"/>
-              <a:t>geramos </a:t>
+              <a:t>e geramos </a:t>
             </a:r>
             <a:r>
               <a:rPr lang="pt-BR" dirty="0" smtClean="0"/>
@@ -19803,20 +19884,20 @@
     </p:spTree>
     <p:extLst>
       <p:ext uri="{BB962C8B-B14F-4D97-AF65-F5344CB8AC3E}">
-        <p14:creationId xmlns:p14="http://schemas.microsoft.com/office/powerpoint/2010/main" val="2481649785"/>
+        <p14:creationId xmlns:p14="http://schemas.microsoft.com/office/powerpoint/2010/main" xmlns="" val="2481649785"/>
       </p:ext>
     </p:extLst>
   </p:cSld>
   <p:clrMapOvr>
     <a:masterClrMapping/>
   </p:clrMapOvr>
-  <mc:AlternateContent xmlns:mc="http://schemas.openxmlformats.org/markup-compatibility/2006" xmlns:p14="http://schemas.microsoft.com/office/powerpoint/2010/main">
-    <mc:Choice Requires="p14">
+  <mc:AlternateContent xmlns:mc="http://schemas.openxmlformats.org/markup-compatibility/2006">
+    <mc:Choice xmlns:p14="http://schemas.microsoft.com/office/powerpoint/2010/main" xmlns="" Requires="p14">
       <p:transition spd="med" p14:dur="700">
         <p:fade/>
       </p:transition>
     </mc:Choice>
-    <mc:Fallback xmlns="">
+    <mc:Fallback>
       <p:transition spd="med">
         <p:fade/>
       </p:transition>
@@ -19942,20 +20023,20 @@
     </p:spTree>
     <p:extLst>
       <p:ext uri="{BB962C8B-B14F-4D97-AF65-F5344CB8AC3E}">
-        <p14:creationId xmlns:p14="http://schemas.microsoft.com/office/powerpoint/2010/main" val="3606311956"/>
+        <p14:creationId xmlns:p14="http://schemas.microsoft.com/office/powerpoint/2010/main" xmlns="" val="3606311956"/>
       </p:ext>
     </p:extLst>
   </p:cSld>
   <p:clrMapOvr>
     <a:masterClrMapping/>
   </p:clrMapOvr>
-  <mc:AlternateContent xmlns:mc="http://schemas.openxmlformats.org/markup-compatibility/2006" xmlns:p14="http://schemas.microsoft.com/office/powerpoint/2010/main">
-    <mc:Choice Requires="p14">
+  <mc:AlternateContent xmlns:mc="http://schemas.openxmlformats.org/markup-compatibility/2006">
+    <mc:Choice xmlns:p14="http://schemas.microsoft.com/office/powerpoint/2010/main" xmlns="" Requires="p14">
       <p:transition spd="med" p14:dur="700">
         <p:fade/>
       </p:transition>
     </mc:Choice>
-    <mc:Fallback xmlns="">
+    <mc:Fallback>
       <p:transition spd="med">
         <p:fade/>
       </p:transition>
@@ -20073,20 +20154,20 @@
     </p:spTree>
     <p:extLst>
       <p:ext uri="{BB962C8B-B14F-4D97-AF65-F5344CB8AC3E}">
-        <p14:creationId xmlns:p14="http://schemas.microsoft.com/office/powerpoint/2010/main" val="3259832018"/>
+        <p14:creationId xmlns:p14="http://schemas.microsoft.com/office/powerpoint/2010/main" xmlns="" val="3259832018"/>
       </p:ext>
     </p:extLst>
   </p:cSld>
   <p:clrMapOvr>
     <a:masterClrMapping/>
   </p:clrMapOvr>
-  <mc:AlternateContent xmlns:mc="http://schemas.openxmlformats.org/markup-compatibility/2006" xmlns:p14="http://schemas.microsoft.com/office/powerpoint/2010/main">
-    <mc:Choice Requires="p14">
+  <mc:AlternateContent xmlns:mc="http://schemas.openxmlformats.org/markup-compatibility/2006">
+    <mc:Choice xmlns:p14="http://schemas.microsoft.com/office/powerpoint/2010/main" xmlns="" Requires="p14">
       <p:transition spd="med" p14:dur="700">
         <p:fade/>
       </p:transition>
     </mc:Choice>
-    <mc:Fallback xmlns="">
+    <mc:Fallback>
       <p:transition spd="med">
         <p:fade/>
       </p:transition>
@@ -20229,20 +20310,20 @@
     </p:spTree>
     <p:extLst>
       <p:ext uri="{BB962C8B-B14F-4D97-AF65-F5344CB8AC3E}">
-        <p14:creationId xmlns:p14="http://schemas.microsoft.com/office/powerpoint/2010/main" val="1726333515"/>
+        <p14:creationId xmlns:p14="http://schemas.microsoft.com/office/powerpoint/2010/main" xmlns="" val="1726333515"/>
       </p:ext>
     </p:extLst>
   </p:cSld>
   <p:clrMapOvr>
     <a:masterClrMapping/>
   </p:clrMapOvr>
-  <mc:AlternateContent xmlns:mc="http://schemas.openxmlformats.org/markup-compatibility/2006" xmlns:p14="http://schemas.microsoft.com/office/powerpoint/2010/main">
-    <mc:Choice Requires="p14">
+  <mc:AlternateContent xmlns:mc="http://schemas.openxmlformats.org/markup-compatibility/2006">
+    <mc:Choice xmlns:p14="http://schemas.microsoft.com/office/powerpoint/2010/main" xmlns="" Requires="p14">
       <p:transition spd="med" p14:dur="700">
         <p:fade/>
       </p:transition>
     </mc:Choice>
-    <mc:Fallback xmlns="">
+    <mc:Fallback>
       <p:transition spd="med">
         <p:fade/>
       </p:transition>
@@ -20513,7 +20594,7 @@
   <a:extraClrSchemeLst/>
   <a:extLst>
     <a:ext uri="{05A4C25C-085E-4340-85A3-A5531E510DB2}">
-      <thm15:themeFamily xmlns:thm15="http://schemas.microsoft.com/office/thememl/2012/main" name="O15_4109default" id="{E728D685-11FC-4812-BA85-57AC6F9C9F40}" vid="{BC4E008B-95FF-4815-904E-143A8EDFC1D4}"/>
+      <thm15:themeFamily xmlns:thm15="http://schemas.microsoft.com/office/thememl/2012/main" xmlns="" name="O15_4109default" id="{E728D685-11FC-4812-BA85-57AC6F9C9F40}" vid="{BC4E008B-95FF-4815-904E-143A8EDFC1D4}"/>
     </a:ext>
   </a:extLst>
 </a:theme>

--- a/Apresentação.pptx
+++ b/Apresentação.pptx
@@ -127,7 +127,7 @@
   </p:defaultTextStyle>
   <p:extLst>
     <p:ext uri="{EFAFB233-063F-42B5-8137-9DF3F51BA10A}">
-      <p15:sldGuideLst xmlns:p15="http://schemas.microsoft.com/office/powerpoint/2012/main" xmlns="">
+      <p15:sldGuideLst xmlns="" xmlns:p15="http://schemas.microsoft.com/office/powerpoint/2012/main">
         <p15:guide id="1" pos="3840" userDrawn="1">
           <p15:clr>
             <a:srgbClr val="A4A3A4"/>
@@ -141,7 +141,7 @@
       </p15:sldGuideLst>
     </p:ext>
     <p:ext uri="{2D200454-40CA-4A62-9FC3-DE9A4176ACB9}">
-      <p15:notesGuideLst xmlns:p15="http://schemas.microsoft.com/office/powerpoint/2012/main" xmlns=""/>
+      <p15:notesGuideLst xmlns="" xmlns:p15="http://schemas.microsoft.com/office/powerpoint/2012/main"/>
     </p:ext>
   </p:extLst>
 </p:presentation>
@@ -1230,16 +1230,16 @@
     </dgm:pt>
   </dgm:ptLst>
   <dgm:cxnLst>
-    <dgm:cxn modelId="{393A42D7-E296-4805-BE5F-96D3FF35731E}" type="presOf" srcId="{E4E9F0D0-FF23-4B59-9B97-973BCBE5DC65}" destId="{610B5FFC-C0C9-444C-9F7A-14D1B54F604D}" srcOrd="0" destOrd="0" presId="urn:microsoft.com/office/officeart/2005/8/layout/hProcess6"/>
-    <dgm:cxn modelId="{7599CECE-5293-4C57-A979-D096C99254C7}" srcId="{FBA29113-7A70-4E0E-B036-871C49B835F1}" destId="{50706FFE-8A00-485D-9FF7-8D310692C602}" srcOrd="2" destOrd="0" parTransId="{EF44BD91-19A4-424B-BA32-4A5492B6E40B}" sibTransId="{CD03DFF4-D962-46D6-AFFA-2A87FD08403E}"/>
-    <dgm:cxn modelId="{A22BDB9A-90BB-4DA2-8850-00D4F1D3B898}" srcId="{FBA29113-7A70-4E0E-B036-871C49B835F1}" destId="{5D952622-A79E-41E4-BBC2-6212DEFFA91C}" srcOrd="1" destOrd="0" parTransId="{10627A68-BE4B-4A4A-9EC9-4CFEF1E4DF39}" sibTransId="{092BAEF3-D9F2-476B-9A0B-6F14CC814529}"/>
-    <dgm:cxn modelId="{91659D2E-B12A-482A-8CE6-C29BDE7CD07E}" type="presOf" srcId="{A6406C01-7E83-4650-8EF5-394419DCB348}" destId="{47DA5750-48DC-4E4F-815D-0B05DBC30DAB}" srcOrd="0" destOrd="0" presId="urn:microsoft.com/office/officeart/2005/8/layout/hProcess6"/>
     <dgm:cxn modelId="{F34CEA58-A28C-4B6C-A1FF-3B24C133DC54}" type="presOf" srcId="{FBA29113-7A70-4E0E-B036-871C49B835F1}" destId="{8734DFB3-ADD8-4FD2-87D8-1981AA0ADD0B}" srcOrd="0" destOrd="0" presId="urn:microsoft.com/office/officeart/2005/8/layout/hProcess6"/>
     <dgm:cxn modelId="{FB6A681F-E192-4954-8716-F92D40202DC1}" type="presOf" srcId="{5D952622-A79E-41E4-BBC2-6212DEFFA91C}" destId="{EE8733A1-7662-4D0A-B39E-2218596CC81C}" srcOrd="0" destOrd="0" presId="urn:microsoft.com/office/officeart/2005/8/layout/hProcess6"/>
-    <dgm:cxn modelId="{9327DE29-3213-42C5-8773-219AC39862DA}" type="presOf" srcId="{50706FFE-8A00-485D-9FF7-8D310692C602}" destId="{78E9A4E4-18A9-4B73-8007-A63A71C71937}" srcOrd="0" destOrd="0" presId="urn:microsoft.com/office/officeart/2005/8/layout/hProcess6"/>
-    <dgm:cxn modelId="{FED919D6-1ABA-4E1A-85A2-9F09EBE5B504}" type="presOf" srcId="{E4E9F0D0-FF23-4B59-9B97-973BCBE5DC65}" destId="{FB705FC1-639E-4064-8E9A-A79870DE5273}" srcOrd="1" destOrd="0" presId="urn:microsoft.com/office/officeart/2005/8/layout/hProcess6"/>
+    <dgm:cxn modelId="{91659D2E-B12A-482A-8CE6-C29BDE7CD07E}" type="presOf" srcId="{A6406C01-7E83-4650-8EF5-394419DCB348}" destId="{47DA5750-48DC-4E4F-815D-0B05DBC30DAB}" srcOrd="0" destOrd="0" presId="urn:microsoft.com/office/officeart/2005/8/layout/hProcess6"/>
+    <dgm:cxn modelId="{A22BDB9A-90BB-4DA2-8850-00D4F1D3B898}" srcId="{FBA29113-7A70-4E0E-B036-871C49B835F1}" destId="{5D952622-A79E-41E4-BBC2-6212DEFFA91C}" srcOrd="1" destOrd="0" parTransId="{10627A68-BE4B-4A4A-9EC9-4CFEF1E4DF39}" sibTransId="{092BAEF3-D9F2-476B-9A0B-6F14CC814529}"/>
     <dgm:cxn modelId="{37A3A996-9723-4BDB-8959-9D9B7799BD9A}" srcId="{A6406C01-7E83-4650-8EF5-394419DCB348}" destId="{E4E9F0D0-FF23-4B59-9B97-973BCBE5DC65}" srcOrd="0" destOrd="0" parTransId="{E9237435-F938-45D4-8BF4-6D5D4DFF850F}" sibTransId="{D32B195A-7CAD-474B-B79C-BE4BB171E742}"/>
     <dgm:cxn modelId="{4D956F8D-5727-488A-93AF-F33602655A44}" srcId="{FBA29113-7A70-4E0E-B036-871C49B835F1}" destId="{A6406C01-7E83-4650-8EF5-394419DCB348}" srcOrd="0" destOrd="0" parTransId="{2586B3BB-DA8B-42DF-AC9A-77CE21607FD0}" sibTransId="{7C5B61F0-A4F6-4FCA-B552-36151F31051E}"/>
+    <dgm:cxn modelId="{7599CECE-5293-4C57-A979-D096C99254C7}" srcId="{FBA29113-7A70-4E0E-B036-871C49B835F1}" destId="{50706FFE-8A00-485D-9FF7-8D310692C602}" srcOrd="2" destOrd="0" parTransId="{EF44BD91-19A4-424B-BA32-4A5492B6E40B}" sibTransId="{CD03DFF4-D962-46D6-AFFA-2A87FD08403E}"/>
+    <dgm:cxn modelId="{393A42D7-E296-4805-BE5F-96D3FF35731E}" type="presOf" srcId="{E4E9F0D0-FF23-4B59-9B97-973BCBE5DC65}" destId="{610B5FFC-C0C9-444C-9F7A-14D1B54F604D}" srcOrd="0" destOrd="0" presId="urn:microsoft.com/office/officeart/2005/8/layout/hProcess6"/>
+    <dgm:cxn modelId="{FED919D6-1ABA-4E1A-85A2-9F09EBE5B504}" type="presOf" srcId="{E4E9F0D0-FF23-4B59-9B97-973BCBE5DC65}" destId="{FB705FC1-639E-4064-8E9A-A79870DE5273}" srcOrd="1" destOrd="0" presId="urn:microsoft.com/office/officeart/2005/8/layout/hProcess6"/>
+    <dgm:cxn modelId="{9327DE29-3213-42C5-8773-219AC39862DA}" type="presOf" srcId="{50706FFE-8A00-485D-9FF7-8D310692C602}" destId="{78E9A4E4-18A9-4B73-8007-A63A71C71937}" srcOrd="0" destOrd="0" presId="urn:microsoft.com/office/officeart/2005/8/layout/hProcess6"/>
     <dgm:cxn modelId="{AE73C149-1972-4753-A9FE-170BD4B9B8E9}" type="presParOf" srcId="{8734DFB3-ADD8-4FD2-87D8-1981AA0ADD0B}" destId="{5C04AEFB-7132-4B28-A7D3-862245070A8D}" srcOrd="0" destOrd="0" presId="urn:microsoft.com/office/officeart/2005/8/layout/hProcess6"/>
     <dgm:cxn modelId="{5F1BED47-96CE-4E9E-BDCC-B332A2D3443B}" type="presParOf" srcId="{5C04AEFB-7132-4B28-A7D3-862245070A8D}" destId="{358F74AC-FC7D-465B-BD12-B6CCC00F3D29}" srcOrd="0" destOrd="0" presId="urn:microsoft.com/office/officeart/2005/8/layout/hProcess6"/>
     <dgm:cxn modelId="{4B249BE7-4395-4783-A926-ECAA63B9823F}" type="presParOf" srcId="{5C04AEFB-7132-4B28-A7D3-862245070A8D}" destId="{610B5FFC-C0C9-444C-9F7A-14D1B54F604D}" srcOrd="1" destOrd="0" presId="urn:microsoft.com/office/officeart/2005/8/layout/hProcess6"/>
@@ -1262,7 +1262,7 @@
   <dgm:whole/>
   <dgm:extLst>
     <a:ext uri="http://schemas.microsoft.com/office/drawing/2008/diagram">
-      <dsp:dataModelExt xmlns:dsp="http://schemas.microsoft.com/office/drawing/2008/diagram" xmlns="" relId="rId6" minVer="http://schemas.openxmlformats.org/drawingml/2006/diagram"/>
+      <dsp:dataModelExt xmlns:dsp="http://schemas.microsoft.com/office/drawing/2008/diagram" relId="rId6" minVer="http://schemas.openxmlformats.org/drawingml/2006/diagram"/>
     </a:ext>
   </dgm:extLst>
 </dgm:dataModel>
@@ -1276,6 +1276,429 @@
       <dsp:cNvGrpSpPr/>
     </dsp:nvGrpSpPr>
     <dsp:grpSpPr/>
+    <dsp:sp modelId="{610B5FFC-C0C9-444C-9F7A-14D1B54F604D}">
+      <dsp:nvSpPr>
+        <dsp:cNvPr id="0" name=""/>
+        <dsp:cNvSpPr/>
+      </dsp:nvSpPr>
+      <dsp:spPr>
+        <a:xfrm>
+          <a:off x="793696" y="893619"/>
+          <a:ext cx="2314039" cy="2022761"/>
+        </a:xfrm>
+        <a:prstGeom prst="rightArrow">
+          <a:avLst>
+            <a:gd name="adj1" fmla="val 70000"/>
+            <a:gd name="adj2" fmla="val 50000"/>
+          </a:avLst>
+        </a:prstGeom>
+        <a:solidFill>
+          <a:schemeClr val="accent1">
+            <a:alpha val="90000"/>
+            <a:tint val="40000"/>
+            <a:hueOff val="0"/>
+            <a:satOff val="0"/>
+            <a:lumOff val="0"/>
+            <a:alphaOff val="0"/>
+          </a:schemeClr>
+        </a:solidFill>
+        <a:ln w="12700" cap="flat" cmpd="sng" algn="ctr">
+          <a:solidFill>
+            <a:schemeClr val="accent1">
+              <a:alpha val="90000"/>
+              <a:tint val="40000"/>
+              <a:hueOff val="0"/>
+              <a:satOff val="0"/>
+              <a:lumOff val="0"/>
+              <a:alphaOff val="0"/>
+            </a:schemeClr>
+          </a:solidFill>
+          <a:prstDash val="solid"/>
+          <a:miter lim="800000"/>
+        </a:ln>
+        <a:effectLst/>
+      </dsp:spPr>
+      <dsp:style>
+        <a:lnRef idx="2">
+          <a:scrgbClr r="0" g="0" b="0"/>
+        </a:lnRef>
+        <a:fillRef idx="1">
+          <a:scrgbClr r="0" g="0" b="0"/>
+        </a:fillRef>
+        <a:effectRef idx="0">
+          <a:scrgbClr r="0" g="0" b="0"/>
+        </a:effectRef>
+        <a:fontRef idx="minor"/>
+      </dsp:style>
+      <dsp:txBody>
+        <a:bodyPr spcFirstLastPara="0" vert="horz" wrap="square" lIns="45720" tIns="11430" rIns="22860" bIns="11430" numCol="1" spcCol="1270" anchor="ctr" anchorCtr="0">
+          <a:noAutofit/>
+        </a:bodyPr>
+        <a:lstStyle/>
+        <a:p>
+          <a:pPr lvl="0" algn="ctr" defTabSz="800100">
+            <a:lnSpc>
+              <a:spcPct val="90000"/>
+            </a:lnSpc>
+            <a:spcBef>
+              <a:spcPct val="0"/>
+            </a:spcBef>
+            <a:spcAft>
+              <a:spcPct val="35000"/>
+            </a:spcAft>
+          </a:pPr>
+          <a:endParaRPr lang="pt-BR" sz="1800" kern="1200" noProof="0" dirty="0"/>
+        </a:p>
+      </dsp:txBody>
+      <dsp:txXfrm>
+        <a:off x="1372206" y="1197033"/>
+        <a:ext cx="1128094" cy="1415933"/>
+      </dsp:txXfrm>
+    </dsp:sp>
+    <dsp:sp modelId="{47DA5750-48DC-4E4F-815D-0B05DBC30DAB}">
+      <dsp:nvSpPr>
+        <dsp:cNvPr id="0" name=""/>
+        <dsp:cNvSpPr/>
+      </dsp:nvSpPr>
+      <dsp:spPr>
+        <a:xfrm>
+          <a:off x="663" y="1180543"/>
+          <a:ext cx="1586065" cy="1448912"/>
+        </a:xfrm>
+        <a:prstGeom prst="ellipse">
+          <a:avLst/>
+        </a:prstGeom>
+        <a:solidFill>
+          <a:schemeClr val="accent1">
+            <a:hueOff val="0"/>
+            <a:satOff val="0"/>
+            <a:lumOff val="0"/>
+            <a:alphaOff val="0"/>
+          </a:schemeClr>
+        </a:solidFill>
+        <a:ln w="12700" cap="flat" cmpd="sng" algn="ctr">
+          <a:solidFill>
+            <a:schemeClr val="lt1">
+              <a:hueOff val="0"/>
+              <a:satOff val="0"/>
+              <a:lumOff val="0"/>
+              <a:alphaOff val="0"/>
+            </a:schemeClr>
+          </a:solidFill>
+          <a:prstDash val="solid"/>
+          <a:miter lim="800000"/>
+        </a:ln>
+        <a:effectLst/>
+      </dsp:spPr>
+      <dsp:style>
+        <a:lnRef idx="2">
+          <a:scrgbClr r="0" g="0" b="0"/>
+        </a:lnRef>
+        <a:fillRef idx="1">
+          <a:scrgbClr r="0" g="0" b="0"/>
+        </a:fillRef>
+        <a:effectRef idx="0">
+          <a:scrgbClr r="0" g="0" b="0"/>
+        </a:effectRef>
+        <a:fontRef idx="minor">
+          <a:schemeClr val="lt1"/>
+        </a:fontRef>
+      </dsp:style>
+      <dsp:txBody>
+        <a:bodyPr spcFirstLastPara="0" vert="horz" wrap="square" lIns="12700" tIns="12700" rIns="12700" bIns="12700" numCol="1" spcCol="1270" anchor="ctr" anchorCtr="0">
+          <a:noAutofit/>
+        </a:bodyPr>
+        <a:lstStyle/>
+        <a:p>
+          <a:pPr lvl="0" algn="ctr" defTabSz="889000">
+            <a:lnSpc>
+              <a:spcPct val="90000"/>
+            </a:lnSpc>
+            <a:spcBef>
+              <a:spcPct val="0"/>
+            </a:spcBef>
+            <a:spcAft>
+              <a:spcPct val="35000"/>
+            </a:spcAft>
+          </a:pPr>
+          <a:r>
+            <a:rPr lang="pt-BR" sz="2000" kern="1200" noProof="0" dirty="0" smtClean="0"/>
+            <a:t>Alocação</a:t>
+          </a:r>
+          <a:endParaRPr lang="pt-BR" sz="2000" kern="1200" noProof="0" dirty="0"/>
+        </a:p>
+      </dsp:txBody>
+      <dsp:txXfrm>
+        <a:off x="232937" y="1392731"/>
+        <a:ext cx="1121517" cy="1024536"/>
+      </dsp:txXfrm>
+    </dsp:sp>
+    <dsp:sp modelId="{00D2DC2C-7CA2-4A4B-B66D-3DDCAB7DC8E9}">
+      <dsp:nvSpPr>
+        <dsp:cNvPr id="0" name=""/>
+        <dsp:cNvSpPr/>
+      </dsp:nvSpPr>
+      <dsp:spPr>
+        <a:xfrm>
+          <a:off x="3989951" y="893619"/>
+          <a:ext cx="2314039" cy="2022761"/>
+        </a:xfrm>
+        <a:prstGeom prst="rightArrow">
+          <a:avLst>
+            <a:gd name="adj1" fmla="val 70000"/>
+            <a:gd name="adj2" fmla="val 50000"/>
+          </a:avLst>
+        </a:prstGeom>
+        <a:solidFill>
+          <a:schemeClr val="accent1">
+            <a:alpha val="90000"/>
+            <a:tint val="40000"/>
+            <a:hueOff val="0"/>
+            <a:satOff val="0"/>
+            <a:lumOff val="0"/>
+            <a:alphaOff val="0"/>
+          </a:schemeClr>
+        </a:solidFill>
+        <a:ln w="12700" cap="flat" cmpd="sng" algn="ctr">
+          <a:solidFill>
+            <a:schemeClr val="accent1">
+              <a:alpha val="90000"/>
+              <a:tint val="40000"/>
+              <a:hueOff val="0"/>
+              <a:satOff val="0"/>
+              <a:lumOff val="0"/>
+              <a:alphaOff val="0"/>
+            </a:schemeClr>
+          </a:solidFill>
+          <a:prstDash val="solid"/>
+          <a:miter lim="800000"/>
+        </a:ln>
+        <a:effectLst/>
+      </dsp:spPr>
+      <dsp:style>
+        <a:lnRef idx="2">
+          <a:scrgbClr r="0" g="0" b="0"/>
+        </a:lnRef>
+        <a:fillRef idx="1">
+          <a:scrgbClr r="0" g="0" b="0"/>
+        </a:fillRef>
+        <a:effectRef idx="0">
+          <a:scrgbClr r="0" g="0" b="0"/>
+        </a:effectRef>
+        <a:fontRef idx="minor"/>
+      </dsp:style>
+    </dsp:sp>
+    <dsp:sp modelId="{EE8733A1-7662-4D0A-B39E-2218596CC81C}">
+      <dsp:nvSpPr>
+        <dsp:cNvPr id="0" name=""/>
+        <dsp:cNvSpPr/>
+      </dsp:nvSpPr>
+      <dsp:spPr>
+        <a:xfrm>
+          <a:off x="3252363" y="1141563"/>
+          <a:ext cx="1475176" cy="1526872"/>
+        </a:xfrm>
+        <a:prstGeom prst="ellipse">
+          <a:avLst/>
+        </a:prstGeom>
+        <a:solidFill>
+          <a:schemeClr val="accent1">
+            <a:hueOff val="0"/>
+            <a:satOff val="0"/>
+            <a:lumOff val="0"/>
+            <a:alphaOff val="0"/>
+          </a:schemeClr>
+        </a:solidFill>
+        <a:ln w="12700" cap="flat" cmpd="sng" algn="ctr">
+          <a:solidFill>
+            <a:schemeClr val="lt1">
+              <a:hueOff val="0"/>
+              <a:satOff val="0"/>
+              <a:lumOff val="0"/>
+              <a:alphaOff val="0"/>
+            </a:schemeClr>
+          </a:solidFill>
+          <a:prstDash val="solid"/>
+          <a:miter lim="800000"/>
+        </a:ln>
+        <a:effectLst/>
+      </dsp:spPr>
+      <dsp:style>
+        <a:lnRef idx="2">
+          <a:scrgbClr r="0" g="0" b="0"/>
+        </a:lnRef>
+        <a:fillRef idx="1">
+          <a:scrgbClr r="0" g="0" b="0"/>
+        </a:fillRef>
+        <a:effectRef idx="0">
+          <a:scrgbClr r="0" g="0" b="0"/>
+        </a:effectRef>
+        <a:fontRef idx="minor">
+          <a:schemeClr val="lt1"/>
+        </a:fontRef>
+      </dsp:style>
+      <dsp:txBody>
+        <a:bodyPr spcFirstLastPara="0" vert="horz" wrap="square" lIns="11430" tIns="11430" rIns="11430" bIns="11430" numCol="1" spcCol="1270" anchor="ctr" anchorCtr="0">
+          <a:noAutofit/>
+        </a:bodyPr>
+        <a:lstStyle/>
+        <a:p>
+          <a:pPr lvl="0" algn="ctr" defTabSz="800100">
+            <a:lnSpc>
+              <a:spcPct val="90000"/>
+            </a:lnSpc>
+            <a:spcBef>
+              <a:spcPct val="0"/>
+            </a:spcBef>
+            <a:spcAft>
+              <a:spcPct val="35000"/>
+            </a:spcAft>
+          </a:pPr>
+          <a:r>
+            <a:rPr lang="pt-BR" sz="1800" kern="1200" noProof="0" dirty="0" smtClean="0"/>
+            <a:t>Trabalho</a:t>
+          </a:r>
+          <a:endParaRPr lang="pt-BR" sz="1800" kern="1200" noProof="0" dirty="0"/>
+        </a:p>
+      </dsp:txBody>
+      <dsp:txXfrm>
+        <a:off x="3468398" y="1365168"/>
+        <a:ext cx="1043106" cy="1079662"/>
+      </dsp:txXfrm>
+    </dsp:sp>
+    <dsp:sp modelId="{4BF699B1-BE15-42D1-9784-AA33CF29870E}">
+      <dsp:nvSpPr>
+        <dsp:cNvPr id="0" name=""/>
+        <dsp:cNvSpPr/>
+      </dsp:nvSpPr>
+      <dsp:spPr>
+        <a:xfrm>
+          <a:off x="7286497" y="893619"/>
+          <a:ext cx="2314039" cy="2022761"/>
+        </a:xfrm>
+        <a:prstGeom prst="rightArrow">
+          <a:avLst>
+            <a:gd name="adj1" fmla="val 70000"/>
+            <a:gd name="adj2" fmla="val 50000"/>
+          </a:avLst>
+        </a:prstGeom>
+        <a:solidFill>
+          <a:schemeClr val="accent1">
+            <a:alpha val="90000"/>
+            <a:tint val="40000"/>
+            <a:hueOff val="0"/>
+            <a:satOff val="0"/>
+            <a:lumOff val="0"/>
+            <a:alphaOff val="0"/>
+          </a:schemeClr>
+        </a:solidFill>
+        <a:ln w="12700" cap="flat" cmpd="sng" algn="ctr">
+          <a:solidFill>
+            <a:schemeClr val="accent1">
+              <a:alpha val="90000"/>
+              <a:tint val="40000"/>
+              <a:hueOff val="0"/>
+              <a:satOff val="0"/>
+              <a:lumOff val="0"/>
+              <a:alphaOff val="0"/>
+            </a:schemeClr>
+          </a:solidFill>
+          <a:prstDash val="solid"/>
+          <a:miter lim="800000"/>
+        </a:ln>
+        <a:effectLst/>
+      </dsp:spPr>
+      <dsp:style>
+        <a:lnRef idx="2">
+          <a:scrgbClr r="0" g="0" b="0"/>
+        </a:lnRef>
+        <a:fillRef idx="1">
+          <a:scrgbClr r="0" g="0" b="0"/>
+        </a:fillRef>
+        <a:effectRef idx="0">
+          <a:scrgbClr r="0" g="0" b="0"/>
+        </a:effectRef>
+        <a:fontRef idx="minor"/>
+      </dsp:style>
+    </dsp:sp>
+    <dsp:sp modelId="{78E9A4E4-18A9-4B73-8007-A63A71C71937}">
+      <dsp:nvSpPr>
+        <dsp:cNvPr id="0" name=""/>
+        <dsp:cNvSpPr/>
+      </dsp:nvSpPr>
+      <dsp:spPr>
+        <a:xfrm>
+          <a:off x="6448618" y="1160585"/>
+          <a:ext cx="1675757" cy="1488829"/>
+        </a:xfrm>
+        <a:prstGeom prst="ellipse">
+          <a:avLst/>
+        </a:prstGeom>
+        <a:solidFill>
+          <a:schemeClr val="accent1">
+            <a:hueOff val="0"/>
+            <a:satOff val="0"/>
+            <a:lumOff val="0"/>
+            <a:alphaOff val="0"/>
+          </a:schemeClr>
+        </a:solidFill>
+        <a:ln w="12700" cap="flat" cmpd="sng" algn="ctr">
+          <a:solidFill>
+            <a:schemeClr val="lt1">
+              <a:hueOff val="0"/>
+              <a:satOff val="0"/>
+              <a:lumOff val="0"/>
+              <a:alphaOff val="0"/>
+            </a:schemeClr>
+          </a:solidFill>
+          <a:prstDash val="solid"/>
+          <a:miter lim="800000"/>
+        </a:ln>
+        <a:effectLst/>
+      </dsp:spPr>
+      <dsp:style>
+        <a:lnRef idx="2">
+          <a:scrgbClr r="0" g="0" b="0"/>
+        </a:lnRef>
+        <a:fillRef idx="1">
+          <a:scrgbClr r="0" g="0" b="0"/>
+        </a:fillRef>
+        <a:effectRef idx="0">
+          <a:scrgbClr r="0" g="0" b="0"/>
+        </a:effectRef>
+        <a:fontRef idx="minor">
+          <a:schemeClr val="lt1"/>
+        </a:fontRef>
+      </dsp:style>
+      <dsp:txBody>
+        <a:bodyPr spcFirstLastPara="0" vert="horz" wrap="square" lIns="12700" tIns="12700" rIns="12700" bIns="12700" numCol="1" spcCol="1270" anchor="ctr" anchorCtr="0">
+          <a:noAutofit/>
+        </a:bodyPr>
+        <a:lstStyle/>
+        <a:p>
+          <a:pPr lvl="0" algn="ctr" defTabSz="889000">
+            <a:lnSpc>
+              <a:spcPct val="90000"/>
+            </a:lnSpc>
+            <a:spcBef>
+              <a:spcPct val="0"/>
+            </a:spcBef>
+            <a:spcAft>
+              <a:spcPct val="35000"/>
+            </a:spcAft>
+          </a:pPr>
+          <a:r>
+            <a:rPr lang="pt-BR" sz="2000" kern="1200" noProof="0" dirty="0" smtClean="0"/>
+            <a:t>Reunião</a:t>
+          </a:r>
+          <a:endParaRPr lang="pt-BR" sz="2000" kern="1200" noProof="0" dirty="0"/>
+        </a:p>
+      </dsp:txBody>
+      <dsp:txXfrm>
+        <a:off x="6694027" y="1378619"/>
+        <a:ext cx="1184939" cy="1052761"/>
+      </dsp:txXfrm>
+    </dsp:sp>
   </dsp:spTree>
 </dsp:drawing>
 </file>
@@ -2767,7 +3190,7 @@
     </p:spTree>
     <p:extLst>
       <p:ext uri="{BB962C8B-B14F-4D97-AF65-F5344CB8AC3E}">
-        <p14:creationId xmlns:p14="http://schemas.microsoft.com/office/powerpoint/2010/main" xmlns="" val="4247389152"/>
+        <p14:creationId xmlns:p14="http://schemas.microsoft.com/office/powerpoint/2010/main" val="4247389152"/>
       </p:ext>
     </p:extLst>
   </p:cSld>
@@ -3027,7 +3450,7 @@
     </p:spTree>
     <p:extLst>
       <p:ext uri="{BB962C8B-B14F-4D97-AF65-F5344CB8AC3E}">
-        <p14:creationId xmlns:p14="http://schemas.microsoft.com/office/powerpoint/2010/main" xmlns="" val="2193636149"/>
+        <p14:creationId xmlns:p14="http://schemas.microsoft.com/office/powerpoint/2010/main" val="2193636149"/>
       </p:ext>
     </p:extLst>
   </p:cSld>
@@ -3207,7 +3630,7 @@
     </p:spTree>
     <p:extLst>
       <p:ext uri="{BB962C8B-B14F-4D97-AF65-F5344CB8AC3E}">
-        <p14:creationId xmlns:p14="http://schemas.microsoft.com/office/powerpoint/2010/main" xmlns="" val="1980303916"/>
+        <p14:creationId xmlns:p14="http://schemas.microsoft.com/office/powerpoint/2010/main" val="1980303916"/>
       </p:ext>
     </p:extLst>
   </p:cSld>
@@ -5206,20 +5629,20 @@
     </p:spTree>
     <p:extLst>
       <p:ext uri="{BB962C8B-B14F-4D97-AF65-F5344CB8AC3E}">
-        <p14:creationId xmlns:p14="http://schemas.microsoft.com/office/powerpoint/2010/main" xmlns="" val="798862757"/>
+        <p14:creationId xmlns:p14="http://schemas.microsoft.com/office/powerpoint/2010/main" val="798862757"/>
       </p:ext>
     </p:extLst>
   </p:cSld>
   <p:clrMapOvr>
     <a:masterClrMapping/>
   </p:clrMapOvr>
-  <mc:AlternateContent xmlns:mc="http://schemas.openxmlformats.org/markup-compatibility/2006">
-    <mc:Choice xmlns:p14="http://schemas.microsoft.com/office/powerpoint/2010/main" xmlns="" Requires="p14">
+  <mc:AlternateContent xmlns:mc="http://schemas.openxmlformats.org/markup-compatibility/2006" xmlns:p14="http://schemas.microsoft.com/office/powerpoint/2010/main">
+    <mc:Choice Requires="p14">
       <p:transition spd="med" p14:dur="700">
         <p:fade/>
       </p:transition>
     </mc:Choice>
-    <mc:Fallback>
+    <mc:Fallback xmlns="">
       <p:transition spd="med">
         <p:fade/>
       </p:transition>
@@ -5390,20 +5813,20 @@
     </p:spTree>
     <p:extLst>
       <p:ext uri="{BB962C8B-B14F-4D97-AF65-F5344CB8AC3E}">
-        <p14:creationId xmlns:p14="http://schemas.microsoft.com/office/powerpoint/2010/main" xmlns="" val="2477154221"/>
+        <p14:creationId xmlns:p14="http://schemas.microsoft.com/office/powerpoint/2010/main" val="2477154221"/>
       </p:ext>
     </p:extLst>
   </p:cSld>
   <p:clrMapOvr>
     <a:masterClrMapping/>
   </p:clrMapOvr>
-  <mc:AlternateContent xmlns:mc="http://schemas.openxmlformats.org/markup-compatibility/2006">
-    <mc:Choice xmlns:p14="http://schemas.microsoft.com/office/powerpoint/2010/main" xmlns="" Requires="p14">
+  <mc:AlternateContent xmlns:mc="http://schemas.openxmlformats.org/markup-compatibility/2006" xmlns:p14="http://schemas.microsoft.com/office/powerpoint/2010/main">
+    <mc:Choice Requires="p14">
       <p:transition spd="med" p14:dur="700">
         <p:fade/>
       </p:transition>
     </mc:Choice>
-    <mc:Fallback>
+    <mc:Fallback xmlns="">
       <p:transition spd="med">
         <p:fade/>
       </p:transition>
@@ -5584,20 +6007,20 @@
     </p:spTree>
     <p:extLst>
       <p:ext uri="{BB962C8B-B14F-4D97-AF65-F5344CB8AC3E}">
-        <p14:creationId xmlns:p14="http://schemas.microsoft.com/office/powerpoint/2010/main" xmlns="" val="2524635021"/>
+        <p14:creationId xmlns:p14="http://schemas.microsoft.com/office/powerpoint/2010/main" val="2524635021"/>
       </p:ext>
     </p:extLst>
   </p:cSld>
   <p:clrMapOvr>
     <a:masterClrMapping/>
   </p:clrMapOvr>
-  <mc:AlternateContent xmlns:mc="http://schemas.openxmlformats.org/markup-compatibility/2006">
-    <mc:Choice xmlns:p14="http://schemas.microsoft.com/office/powerpoint/2010/main" xmlns="" Requires="p14">
+  <mc:AlternateContent xmlns:mc="http://schemas.openxmlformats.org/markup-compatibility/2006" xmlns:p14="http://schemas.microsoft.com/office/powerpoint/2010/main">
+    <mc:Choice Requires="p14">
       <p:transition spd="med" p14:dur="700">
         <p:fade/>
       </p:transition>
     </mc:Choice>
-    <mc:Fallback>
+    <mc:Fallback xmlns="">
       <p:transition spd="med">
         <p:fade/>
       </p:transition>
@@ -5768,20 +6191,20 @@
     </p:spTree>
     <p:extLst>
       <p:ext uri="{BB962C8B-B14F-4D97-AF65-F5344CB8AC3E}">
-        <p14:creationId xmlns:p14="http://schemas.microsoft.com/office/powerpoint/2010/main" xmlns="" val="3112444112"/>
+        <p14:creationId xmlns:p14="http://schemas.microsoft.com/office/powerpoint/2010/main" val="3112444112"/>
       </p:ext>
     </p:extLst>
   </p:cSld>
   <p:clrMapOvr>
     <a:masterClrMapping/>
   </p:clrMapOvr>
-  <mc:AlternateContent xmlns:mc="http://schemas.openxmlformats.org/markup-compatibility/2006">
-    <mc:Choice xmlns:p14="http://schemas.microsoft.com/office/powerpoint/2010/main" xmlns="" Requires="p14">
+  <mc:AlternateContent xmlns:mc="http://schemas.openxmlformats.org/markup-compatibility/2006" xmlns:p14="http://schemas.microsoft.com/office/powerpoint/2010/main">
+    <mc:Choice Requires="p14">
       <p:transition spd="med" p14:dur="700">
         <p:fade/>
       </p:transition>
     </mc:Choice>
-    <mc:Fallback>
+    <mc:Fallback xmlns="">
       <p:transition spd="med">
         <p:fade/>
       </p:transition>
@@ -7804,20 +8227,20 @@
     </p:spTree>
     <p:extLst>
       <p:ext uri="{BB962C8B-B14F-4D97-AF65-F5344CB8AC3E}">
-        <p14:creationId xmlns:p14="http://schemas.microsoft.com/office/powerpoint/2010/main" xmlns="" val="3506778040"/>
+        <p14:creationId xmlns:p14="http://schemas.microsoft.com/office/powerpoint/2010/main" val="3506778040"/>
       </p:ext>
     </p:extLst>
   </p:cSld>
   <p:clrMapOvr>
     <a:overrideClrMapping bg1="dk1" tx1="lt1" bg2="dk2" tx2="lt2" accent1="accent1" accent2="accent2" accent3="accent3" accent4="accent4" accent5="accent5" accent6="accent6" hlink="hlink" folHlink="folHlink"/>
   </p:clrMapOvr>
-  <mc:AlternateContent xmlns:mc="http://schemas.openxmlformats.org/markup-compatibility/2006">
-    <mc:Choice xmlns:p14="http://schemas.microsoft.com/office/powerpoint/2010/main" xmlns="" Requires="p14">
+  <mc:AlternateContent xmlns:mc="http://schemas.openxmlformats.org/markup-compatibility/2006" xmlns:p14="http://schemas.microsoft.com/office/powerpoint/2010/main">
+    <mc:Choice Requires="p14">
       <p:transition spd="med" p14:dur="700">
         <p:fade/>
       </p:transition>
     </mc:Choice>
-    <mc:Fallback>
+    <mc:Fallback xmlns="">
       <p:transition spd="med">
         <p:fade/>
       </p:transition>
@@ -8110,20 +8533,20 @@
     </p:spTree>
     <p:extLst>
       <p:ext uri="{BB962C8B-B14F-4D97-AF65-F5344CB8AC3E}">
-        <p14:creationId xmlns:p14="http://schemas.microsoft.com/office/powerpoint/2010/main" xmlns="" val="4044567947"/>
+        <p14:creationId xmlns:p14="http://schemas.microsoft.com/office/powerpoint/2010/main" val="4044567947"/>
       </p:ext>
     </p:extLst>
   </p:cSld>
   <p:clrMapOvr>
     <a:masterClrMapping/>
   </p:clrMapOvr>
-  <mc:AlternateContent xmlns:mc="http://schemas.openxmlformats.org/markup-compatibility/2006">
-    <mc:Choice xmlns:p14="http://schemas.microsoft.com/office/powerpoint/2010/main" xmlns="" Requires="p14">
+  <mc:AlternateContent xmlns:mc="http://schemas.openxmlformats.org/markup-compatibility/2006" xmlns:p14="http://schemas.microsoft.com/office/powerpoint/2010/main">
+    <mc:Choice Requires="p14">
       <p:transition spd="med" p14:dur="700">
         <p:fade/>
       </p:transition>
     </mc:Choice>
-    <mc:Fallback>
+    <mc:Fallback xmlns="">
       <p:transition spd="med">
         <p:fade/>
       </p:transition>
@@ -8564,20 +8987,20 @@
     </p:spTree>
     <p:extLst>
       <p:ext uri="{BB962C8B-B14F-4D97-AF65-F5344CB8AC3E}">
-        <p14:creationId xmlns:p14="http://schemas.microsoft.com/office/powerpoint/2010/main" xmlns="" val="3397906568"/>
+        <p14:creationId xmlns:p14="http://schemas.microsoft.com/office/powerpoint/2010/main" val="3397906568"/>
       </p:ext>
     </p:extLst>
   </p:cSld>
   <p:clrMapOvr>
     <a:masterClrMapping/>
   </p:clrMapOvr>
-  <mc:AlternateContent xmlns:mc="http://schemas.openxmlformats.org/markup-compatibility/2006">
-    <mc:Choice xmlns:p14="http://schemas.microsoft.com/office/powerpoint/2010/main" xmlns="" Requires="p14">
+  <mc:AlternateContent xmlns:mc="http://schemas.openxmlformats.org/markup-compatibility/2006" xmlns:p14="http://schemas.microsoft.com/office/powerpoint/2010/main">
+    <mc:Choice Requires="p14">
       <p:transition spd="med" p14:dur="700">
         <p:fade/>
       </p:transition>
     </mc:Choice>
-    <mc:Fallback>
+    <mc:Fallback xmlns="">
       <p:transition spd="med">
         <p:fade/>
       </p:transition>
@@ -8696,20 +9119,20 @@
     </p:spTree>
     <p:extLst>
       <p:ext uri="{BB962C8B-B14F-4D97-AF65-F5344CB8AC3E}">
-        <p14:creationId xmlns:p14="http://schemas.microsoft.com/office/powerpoint/2010/main" xmlns="" val="3238976713"/>
+        <p14:creationId xmlns:p14="http://schemas.microsoft.com/office/powerpoint/2010/main" val="3238976713"/>
       </p:ext>
     </p:extLst>
   </p:cSld>
   <p:clrMapOvr>
     <a:masterClrMapping/>
   </p:clrMapOvr>
-  <mc:AlternateContent xmlns:mc="http://schemas.openxmlformats.org/markup-compatibility/2006">
-    <mc:Choice xmlns:p14="http://schemas.microsoft.com/office/powerpoint/2010/main" xmlns="" Requires="p14">
+  <mc:AlternateContent xmlns:mc="http://schemas.openxmlformats.org/markup-compatibility/2006" xmlns:p14="http://schemas.microsoft.com/office/powerpoint/2010/main">
+    <mc:Choice Requires="p14">
       <p:transition spd="med" p14:dur="700">
         <p:fade/>
       </p:transition>
     </mc:Choice>
-    <mc:Fallback>
+    <mc:Fallback xmlns="">
       <p:transition spd="med">
         <p:fade/>
       </p:transition>
@@ -10628,20 +11051,20 @@
     </p:spTree>
     <p:extLst>
       <p:ext uri="{BB962C8B-B14F-4D97-AF65-F5344CB8AC3E}">
-        <p14:creationId xmlns:p14="http://schemas.microsoft.com/office/powerpoint/2010/main" xmlns="" val="2146817227"/>
+        <p14:creationId xmlns:p14="http://schemas.microsoft.com/office/powerpoint/2010/main" val="2146817227"/>
       </p:ext>
     </p:extLst>
   </p:cSld>
   <p:clrMapOvr>
     <a:masterClrMapping/>
   </p:clrMapOvr>
-  <mc:AlternateContent xmlns:mc="http://schemas.openxmlformats.org/markup-compatibility/2006">
-    <mc:Choice xmlns:p14="http://schemas.microsoft.com/office/powerpoint/2010/main" xmlns="" Requires="p14">
+  <mc:AlternateContent xmlns:mc="http://schemas.openxmlformats.org/markup-compatibility/2006" xmlns:p14="http://schemas.microsoft.com/office/powerpoint/2010/main">
+    <mc:Choice Requires="p14">
       <p:transition spd="med" p14:dur="700">
         <p:fade/>
       </p:transition>
     </mc:Choice>
-    <mc:Fallback>
+    <mc:Fallback xmlns="">
       <p:transition spd="med">
         <p:fade/>
       </p:transition>
@@ -12876,20 +13299,20 @@
     </p:spTree>
     <p:extLst>
       <p:ext uri="{BB962C8B-B14F-4D97-AF65-F5344CB8AC3E}">
-        <p14:creationId xmlns:p14="http://schemas.microsoft.com/office/powerpoint/2010/main" xmlns="" val="1667374130"/>
+        <p14:creationId xmlns:p14="http://schemas.microsoft.com/office/powerpoint/2010/main" val="1667374130"/>
       </p:ext>
     </p:extLst>
   </p:cSld>
   <p:clrMapOvr>
     <a:masterClrMapping/>
   </p:clrMapOvr>
-  <mc:AlternateContent xmlns:mc="http://schemas.openxmlformats.org/markup-compatibility/2006">
-    <mc:Choice xmlns:p14="http://schemas.microsoft.com/office/powerpoint/2010/main" xmlns="" Requires="p14">
+  <mc:AlternateContent xmlns:mc="http://schemas.openxmlformats.org/markup-compatibility/2006" xmlns:p14="http://schemas.microsoft.com/office/powerpoint/2010/main">
+    <mc:Choice Requires="p14">
       <p:transition spd="med" p14:dur="700">
         <p:fade/>
       </p:transition>
     </mc:Choice>
-    <mc:Fallback>
+    <mc:Fallback xmlns="">
       <p:transition spd="med">
         <p:fade/>
       </p:transition>
@@ -15035,20 +15458,20 @@
     </p:spTree>
     <p:extLst>
       <p:ext uri="{BB962C8B-B14F-4D97-AF65-F5344CB8AC3E}">
-        <p14:creationId xmlns:p14="http://schemas.microsoft.com/office/powerpoint/2010/main" xmlns="" val="620318007"/>
+        <p14:creationId xmlns:p14="http://schemas.microsoft.com/office/powerpoint/2010/main" val="620318007"/>
       </p:ext>
     </p:extLst>
   </p:cSld>
   <p:clrMapOvr>
     <a:masterClrMapping/>
   </p:clrMapOvr>
-  <mc:AlternateContent xmlns:mc="http://schemas.openxmlformats.org/markup-compatibility/2006">
-    <mc:Choice xmlns:p14="http://schemas.microsoft.com/office/powerpoint/2010/main" xmlns="" Requires="p14">
+  <mc:AlternateContent xmlns:mc="http://schemas.openxmlformats.org/markup-compatibility/2006" xmlns:p14="http://schemas.microsoft.com/office/powerpoint/2010/main">
+    <mc:Choice Requires="p14">
       <p:transition spd="med" p14:dur="700">
         <p:fade/>
       </p:transition>
     </mc:Choice>
-    <mc:Fallback>
+    <mc:Fallback xmlns="">
       <p:transition spd="med">
         <p:fade/>
       </p:transition>
@@ -17174,7 +17597,7 @@
     </p:spTree>
     <p:extLst>
       <p:ext uri="{BB962C8B-B14F-4D97-AF65-F5344CB8AC3E}">
-        <p14:creationId xmlns:p14="http://schemas.microsoft.com/office/powerpoint/2010/main" xmlns="" val="1943259863"/>
+        <p14:creationId xmlns:p14="http://schemas.microsoft.com/office/powerpoint/2010/main" val="1943259863"/>
       </p:ext>
     </p:extLst>
   </p:cSld>
@@ -17192,13 +17615,13 @@
     <p:sldLayoutId id="2147483658" r:id="rId10"/>
     <p:sldLayoutId id="2147483659" r:id="rId11"/>
   </p:sldLayoutIdLst>
-  <mc:AlternateContent xmlns:mc="http://schemas.openxmlformats.org/markup-compatibility/2006">
-    <mc:Choice xmlns:p14="http://schemas.microsoft.com/office/powerpoint/2010/main" xmlns="" Requires="p14">
+  <mc:AlternateContent xmlns:mc="http://schemas.openxmlformats.org/markup-compatibility/2006" xmlns:p14="http://schemas.microsoft.com/office/powerpoint/2010/main">
+    <mc:Choice Requires="p14">
       <p:transition spd="med" p14:dur="700">
         <p:fade/>
       </p:transition>
     </mc:Choice>
-    <mc:Fallback>
+    <mc:Fallback xmlns="">
       <p:transition spd="med">
         <p:fade/>
       </p:transition>
@@ -17523,7 +17946,7 @@
   </p:txStyles>
   <p:extLst mod="1">
     <p:ext uri="{27BBF7A9-308A-43DC-89C8-2F10F3537804}">
-      <p15:sldGuideLst xmlns:p15="http://schemas.microsoft.com/office/powerpoint/2012/main" xmlns="">
+      <p15:sldGuideLst xmlns="" xmlns:p15="http://schemas.microsoft.com/office/powerpoint/2012/main">
         <p15:guide id="1" orient="horz" pos="2160" userDrawn="1">
           <p15:clr>
             <a:srgbClr val="F26B43"/>
@@ -17610,20 +18033,20 @@
     </p:spTree>
     <p:extLst>
       <p:ext uri="{BB962C8B-B14F-4D97-AF65-F5344CB8AC3E}">
-        <p14:creationId xmlns:p14="http://schemas.microsoft.com/office/powerpoint/2010/main" xmlns="" val="104205655"/>
+        <p14:creationId xmlns:p14="http://schemas.microsoft.com/office/powerpoint/2010/main" val="104205655"/>
       </p:ext>
     </p:extLst>
   </p:cSld>
   <p:clrMapOvr>
     <a:masterClrMapping/>
   </p:clrMapOvr>
-  <mc:AlternateContent xmlns:mc="http://schemas.openxmlformats.org/markup-compatibility/2006">
-    <mc:Choice xmlns:p14="http://schemas.microsoft.com/office/powerpoint/2010/main" xmlns="" Requires="p14">
+  <mc:AlternateContent xmlns:mc="http://schemas.openxmlformats.org/markup-compatibility/2006" xmlns:p14="http://schemas.microsoft.com/office/powerpoint/2010/main">
+    <mc:Choice Requires="p14">
       <p:transition spd="med" p14:dur="700">
         <p:fade/>
       </p:transition>
     </mc:Choice>
-    <mc:Fallback>
+    <mc:Fallback xmlns="">
       <p:transition spd="med">
         <p:fade/>
       </p:transition>
@@ -17754,20 +18177,20 @@
     </p:spTree>
     <p:extLst>
       <p:ext uri="{BB962C8B-B14F-4D97-AF65-F5344CB8AC3E}">
-        <p14:creationId xmlns:p14="http://schemas.microsoft.com/office/powerpoint/2010/main" xmlns="" val="2734932250"/>
+        <p14:creationId xmlns:p14="http://schemas.microsoft.com/office/powerpoint/2010/main" val="2734932250"/>
       </p:ext>
     </p:extLst>
   </p:cSld>
   <p:clrMapOvr>
     <a:masterClrMapping/>
   </p:clrMapOvr>
-  <mc:AlternateContent xmlns:mc="http://schemas.openxmlformats.org/markup-compatibility/2006">
-    <mc:Choice xmlns:p14="http://schemas.microsoft.com/office/powerpoint/2010/main" xmlns="" Requires="p14">
+  <mc:AlternateContent xmlns:mc="http://schemas.openxmlformats.org/markup-compatibility/2006" xmlns:p14="http://schemas.microsoft.com/office/powerpoint/2010/main">
+    <mc:Choice Requires="p14">
       <p:transition spd="med" p14:dur="700">
         <p:fade/>
       </p:transition>
     </mc:Choice>
-    <mc:Fallback>
+    <mc:Fallback xmlns="">
       <p:transition spd="med">
         <p:fade/>
       </p:transition>
@@ -17833,7 +18256,7 @@
             <p:ph idx="1"/>
             <p:extLst>
               <p:ext uri="{D42A27DB-BD31-4B8C-83A1-F6EECF244321}">
-                <p14:modId xmlns:p14="http://schemas.microsoft.com/office/powerpoint/2010/main" xmlns="" val="2360170066"/>
+                <p14:modId xmlns:p14="http://schemas.microsoft.com/office/powerpoint/2010/main" val="2360170066"/>
               </p:ext>
             </p:extLst>
           </p:nvPr>
@@ -17851,20 +18274,20 @@
     </p:spTree>
     <p:extLst>
       <p:ext uri="{BB962C8B-B14F-4D97-AF65-F5344CB8AC3E}">
-        <p14:creationId xmlns:p14="http://schemas.microsoft.com/office/powerpoint/2010/main" xmlns="" val="257900819"/>
+        <p14:creationId xmlns:p14="http://schemas.microsoft.com/office/powerpoint/2010/main" val="257900819"/>
       </p:ext>
     </p:extLst>
   </p:cSld>
   <p:clrMapOvr>
     <a:masterClrMapping/>
   </p:clrMapOvr>
-  <mc:AlternateContent xmlns:mc="http://schemas.openxmlformats.org/markup-compatibility/2006">
-    <mc:Choice xmlns:p14="http://schemas.microsoft.com/office/powerpoint/2010/main" xmlns="" Requires="p14">
+  <mc:AlternateContent xmlns:mc="http://schemas.openxmlformats.org/markup-compatibility/2006" xmlns:p14="http://schemas.microsoft.com/office/powerpoint/2010/main">
+    <mc:Choice Requires="p14">
       <p:transition spd="med" p14:dur="700">
         <p:fade/>
       </p:transition>
     </mc:Choice>
-    <mc:Fallback>
+    <mc:Fallback xmlns="">
       <p:transition spd="med">
         <p:fade/>
       </p:transition>
@@ -18040,20 +18463,20 @@
     </p:spTree>
     <p:extLst>
       <p:ext uri="{BB962C8B-B14F-4D97-AF65-F5344CB8AC3E}">
-        <p14:creationId xmlns:p14="http://schemas.microsoft.com/office/powerpoint/2010/main" xmlns="" val="2754446620"/>
+        <p14:creationId xmlns:p14="http://schemas.microsoft.com/office/powerpoint/2010/main" val="2754446620"/>
       </p:ext>
     </p:extLst>
   </p:cSld>
   <p:clrMapOvr>
     <a:masterClrMapping/>
   </p:clrMapOvr>
-  <mc:AlternateContent xmlns:mc="http://schemas.openxmlformats.org/markup-compatibility/2006">
-    <mc:Choice xmlns:p14="http://schemas.microsoft.com/office/powerpoint/2010/main" xmlns="" Requires="p14">
+  <mc:AlternateContent xmlns:mc="http://schemas.openxmlformats.org/markup-compatibility/2006" xmlns:p14="http://schemas.microsoft.com/office/powerpoint/2010/main">
+    <mc:Choice Requires="p14">
       <p:transition spd="med" p14:dur="700">
         <p:fade/>
       </p:transition>
     </mc:Choice>
-    <mc:Fallback>
+    <mc:Fallback xmlns="">
       <p:transition spd="med">
         <p:fade/>
       </p:transition>
@@ -18118,7 +18541,7 @@
             <p:ph sz="half" idx="2"/>
             <p:extLst>
               <p:ext uri="{D42A27DB-BD31-4B8C-83A1-F6EECF244321}">
-                <p14:modId xmlns:p14="http://schemas.microsoft.com/office/powerpoint/2010/main" xmlns="" val="1802756608"/>
+                <p14:modId xmlns:p14="http://schemas.microsoft.com/office/powerpoint/2010/main" val="3645568936"/>
               </p:ext>
             </p:extLst>
           </p:nvPr>
@@ -18291,7 +18714,7 @@
                       <a:pPr algn="ctr"/>
                       <a:r>
                         <a:rPr lang="pt-BR" sz="1800" noProof="0" dirty="0" smtClean="0"/>
-                        <a:t>?</a:t>
+                        <a:t> </a:t>
                       </a:r>
                       <a:endParaRPr lang="pt-BR" sz="1800" noProof="0" dirty="0"/>
                     </a:p>
@@ -18419,17 +18842,7 @@
                             </a:schemeClr>
                           </a:solidFill>
                         </a:rPr>
-                        <a:t>Já que</a:t>
-                      </a:r>
-                      <a:r>
-                        <a:rPr lang="pt-BR" sz="1050" baseline="0" noProof="0" dirty="0" smtClean="0">
-                          <a:solidFill>
-                            <a:schemeClr val="bg2">
-                              <a:lumMod val="50000"/>
-                            </a:schemeClr>
-                          </a:solidFill>
-                        </a:rPr>
-                        <a:t> sou gerente, não faço diagramas, só aprovo, certo ?</a:t>
+                        <a:t> </a:t>
                       </a:r>
                       <a:endParaRPr lang="pt-BR" sz="1050" noProof="0" dirty="0">
                         <a:solidFill>
@@ -18471,20 +18884,6 @@
                             </a:schemeClr>
                           </a:solidFill>
                         </a:rPr>
-                        <a:t>nem sei </a:t>
-                      </a:r>
-                      <a:r>
-                        <a:rPr lang="pt-BR" sz="1050" noProof="0" dirty="0" err="1" smtClean="0">
-                          <a:solidFill>
-                            <a:schemeClr val="bg2">
-                              <a:lumMod val="50000"/>
-                            </a:schemeClr>
-                          </a:solidFill>
-                        </a:rPr>
-                        <a:t>php</a:t>
-                      </a:r>
-                      <a:r>
-                        <a:rPr lang="pt-BR" sz="1800" noProof="0" dirty="0" smtClean="0"/>
                         <a:t> </a:t>
                       </a:r>
                       <a:endParaRPr lang="pt-BR" sz="1800" noProof="0" dirty="0"/>
@@ -18644,20 +19043,20 @@
     </p:spTree>
     <p:extLst>
       <p:ext uri="{BB962C8B-B14F-4D97-AF65-F5344CB8AC3E}">
-        <p14:creationId xmlns:p14="http://schemas.microsoft.com/office/powerpoint/2010/main" xmlns="" val="1535979495"/>
+        <p14:creationId xmlns:p14="http://schemas.microsoft.com/office/powerpoint/2010/main" val="1535979495"/>
       </p:ext>
     </p:extLst>
   </p:cSld>
   <p:clrMapOvr>
     <a:masterClrMapping/>
   </p:clrMapOvr>
-  <mc:AlternateContent xmlns:mc="http://schemas.openxmlformats.org/markup-compatibility/2006">
-    <mc:Choice xmlns:p14="http://schemas.microsoft.com/office/powerpoint/2010/main" xmlns="" Requires="p14">
+  <mc:AlternateContent xmlns:mc="http://schemas.openxmlformats.org/markup-compatibility/2006" xmlns:p14="http://schemas.microsoft.com/office/powerpoint/2010/main">
+    <mc:Choice Requires="p14">
       <p:transition spd="med" p14:dur="700">
         <p:fade/>
       </p:transition>
     </mc:Choice>
-    <mc:Fallback>
+    <mc:Fallback xmlns="">
       <p:transition spd="med">
         <p:fade/>
       </p:transition>
@@ -18723,7 +19122,7 @@
             <p:ph sz="half" idx="2"/>
             <p:extLst>
               <p:ext uri="{D42A27DB-BD31-4B8C-83A1-F6EECF244321}">
-                <p14:modId xmlns:p14="http://schemas.microsoft.com/office/powerpoint/2010/main" xmlns="" val="1443302683"/>
+                <p14:modId xmlns:p14="http://schemas.microsoft.com/office/powerpoint/2010/main" val="1443302683"/>
               </p:ext>
             </p:extLst>
           </p:nvPr>
@@ -18937,20 +19336,20 @@
     </p:spTree>
     <p:extLst>
       <p:ext uri="{BB962C8B-B14F-4D97-AF65-F5344CB8AC3E}">
-        <p14:creationId xmlns:p14="http://schemas.microsoft.com/office/powerpoint/2010/main" xmlns="" val="3009830679"/>
+        <p14:creationId xmlns:p14="http://schemas.microsoft.com/office/powerpoint/2010/main" val="3009830679"/>
       </p:ext>
     </p:extLst>
   </p:cSld>
   <p:clrMapOvr>
     <a:masterClrMapping/>
   </p:clrMapOvr>
-  <mc:AlternateContent xmlns:mc="http://schemas.openxmlformats.org/markup-compatibility/2006">
-    <mc:Choice xmlns:p14="http://schemas.microsoft.com/office/powerpoint/2010/main" xmlns="" Requires="p14">
+  <mc:AlternateContent xmlns:mc="http://schemas.openxmlformats.org/markup-compatibility/2006" xmlns:p14="http://schemas.microsoft.com/office/powerpoint/2010/main">
+    <mc:Choice Requires="p14">
       <p:transition spd="med" p14:dur="700">
         <p:fade/>
       </p:transition>
     </mc:Choice>
-    <mc:Fallback>
+    <mc:Fallback xmlns="">
       <p:transition spd="med">
         <p:fade/>
       </p:transition>
@@ -19022,7 +19421,7 @@
           <a:blip r:embed="rId2">
             <a:extLst>
               <a:ext uri="{28A0092B-C50C-407E-A947-70E740481C1C}">
-                <a14:useLocalDpi xmlns:a14="http://schemas.microsoft.com/office/drawing/2010/main" xmlns="" val="0"/>
+                <a14:useLocalDpi xmlns:a14="http://schemas.microsoft.com/office/drawing/2010/main" val="0"/>
               </a:ext>
             </a:extLst>
           </a:blip>
@@ -19043,20 +19442,20 @@
     </p:spTree>
     <p:extLst>
       <p:ext uri="{BB962C8B-B14F-4D97-AF65-F5344CB8AC3E}">
-        <p14:creationId xmlns:p14="http://schemas.microsoft.com/office/powerpoint/2010/main" xmlns="" val="2659103957"/>
+        <p14:creationId xmlns:p14="http://schemas.microsoft.com/office/powerpoint/2010/main" val="2659103957"/>
       </p:ext>
     </p:extLst>
   </p:cSld>
   <p:clrMapOvr>
     <a:masterClrMapping/>
   </p:clrMapOvr>
-  <mc:AlternateContent xmlns:mc="http://schemas.openxmlformats.org/markup-compatibility/2006">
-    <mc:Choice xmlns:p14="http://schemas.microsoft.com/office/powerpoint/2010/main" xmlns="" Requires="p14">
+  <mc:AlternateContent xmlns:mc="http://schemas.openxmlformats.org/markup-compatibility/2006" xmlns:p14="http://schemas.microsoft.com/office/powerpoint/2010/main">
+    <mc:Choice Requires="p14">
       <p:transition spd="med" p14:dur="700">
         <p:fade/>
       </p:transition>
     </mc:Choice>
-    <mc:Fallback>
+    <mc:Fallback xmlns="">
       <p:transition spd="med">
         <p:fade/>
       </p:transition>
@@ -19127,20 +19526,20 @@
     </p:spTree>
     <p:extLst>
       <p:ext uri="{BB962C8B-B14F-4D97-AF65-F5344CB8AC3E}">
-        <p14:creationId xmlns:p14="http://schemas.microsoft.com/office/powerpoint/2010/main" xmlns="" val="2659103957"/>
+        <p14:creationId xmlns:p14="http://schemas.microsoft.com/office/powerpoint/2010/main" val="2659103957"/>
       </p:ext>
     </p:extLst>
   </p:cSld>
   <p:clrMapOvr>
     <a:masterClrMapping/>
   </p:clrMapOvr>
-  <mc:AlternateContent xmlns:mc="http://schemas.openxmlformats.org/markup-compatibility/2006">
-    <mc:Choice xmlns:p14="http://schemas.microsoft.com/office/powerpoint/2010/main" xmlns="" Requires="p14">
+  <mc:AlternateContent xmlns:mc="http://schemas.openxmlformats.org/markup-compatibility/2006" xmlns:p14="http://schemas.microsoft.com/office/powerpoint/2010/main">
+    <mc:Choice Requires="p14">
       <p:transition spd="med" p14:dur="700">
         <p:fade/>
       </p:transition>
     </mc:Choice>
-    <mc:Fallback>
+    <mc:Fallback xmlns="">
       <p:transition spd="med">
         <p:fade/>
       </p:transition>
@@ -19267,20 +19666,20 @@
     </p:spTree>
     <p:extLst>
       <p:ext uri="{BB962C8B-B14F-4D97-AF65-F5344CB8AC3E}">
-        <p14:creationId xmlns:p14="http://schemas.microsoft.com/office/powerpoint/2010/main" xmlns="" val="4135479302"/>
+        <p14:creationId xmlns:p14="http://schemas.microsoft.com/office/powerpoint/2010/main" val="4135479302"/>
       </p:ext>
     </p:extLst>
   </p:cSld>
   <p:clrMapOvr>
     <a:masterClrMapping/>
   </p:clrMapOvr>
-  <mc:AlternateContent xmlns:mc="http://schemas.openxmlformats.org/markup-compatibility/2006">
-    <mc:Choice xmlns:p14="http://schemas.microsoft.com/office/powerpoint/2010/main" xmlns="" Requires="p14">
+  <mc:AlternateContent xmlns:mc="http://schemas.openxmlformats.org/markup-compatibility/2006" xmlns:p14="http://schemas.microsoft.com/office/powerpoint/2010/main">
+    <mc:Choice Requires="p14">
       <p:transition spd="med" p14:dur="700">
         <p:fade/>
       </p:transition>
     </mc:Choice>
-    <mc:Fallback>
+    <mc:Fallback xmlns="">
       <p:transition spd="med">
         <p:fade/>
       </p:transition>
@@ -19469,20 +19868,20 @@
     </p:spTree>
     <p:extLst>
       <p:ext uri="{BB962C8B-B14F-4D97-AF65-F5344CB8AC3E}">
-        <p14:creationId xmlns:p14="http://schemas.microsoft.com/office/powerpoint/2010/main" xmlns="" val="3309728119"/>
+        <p14:creationId xmlns:p14="http://schemas.microsoft.com/office/powerpoint/2010/main" val="3309728119"/>
       </p:ext>
     </p:extLst>
   </p:cSld>
   <p:clrMapOvr>
     <a:masterClrMapping/>
   </p:clrMapOvr>
-  <mc:AlternateContent xmlns:mc="http://schemas.openxmlformats.org/markup-compatibility/2006">
-    <mc:Choice xmlns:p14="http://schemas.microsoft.com/office/powerpoint/2010/main" xmlns="" Requires="p14">
+  <mc:AlternateContent xmlns:mc="http://schemas.openxmlformats.org/markup-compatibility/2006" xmlns:p14="http://schemas.microsoft.com/office/powerpoint/2010/main">
+    <mc:Choice Requires="p14">
       <p:transition spd="med" p14:dur="700">
         <p:fade/>
       </p:transition>
     </mc:Choice>
-    <mc:Fallback>
+    <mc:Fallback xmlns="">
       <p:transition spd="med">
         <p:fade/>
       </p:transition>
@@ -19673,20 +20072,20 @@
     </p:spTree>
     <p:extLst>
       <p:ext uri="{BB962C8B-B14F-4D97-AF65-F5344CB8AC3E}">
-        <p14:creationId xmlns:p14="http://schemas.microsoft.com/office/powerpoint/2010/main" xmlns="" val="1278837770"/>
+        <p14:creationId xmlns:p14="http://schemas.microsoft.com/office/powerpoint/2010/main" val="1278837770"/>
       </p:ext>
     </p:extLst>
   </p:cSld>
   <p:clrMapOvr>
     <a:masterClrMapping/>
   </p:clrMapOvr>
-  <mc:AlternateContent xmlns:mc="http://schemas.openxmlformats.org/markup-compatibility/2006">
-    <mc:Choice xmlns:p14="http://schemas.microsoft.com/office/powerpoint/2010/main" xmlns="" Requires="p14">
+  <mc:AlternateContent xmlns:mc="http://schemas.openxmlformats.org/markup-compatibility/2006" xmlns:p14="http://schemas.microsoft.com/office/powerpoint/2010/main">
+    <mc:Choice Requires="p14">
       <p:transition spd="med" p14:dur="700">
         <p:fade/>
       </p:transition>
     </mc:Choice>
-    <mc:Fallback>
+    <mc:Fallback xmlns="">
       <p:transition spd="med">
         <p:fade/>
       </p:transition>
@@ -19731,34 +20130,36 @@
         </p:nvSpPr>
         <p:spPr/>
         <p:txBody>
-          <a:bodyPr/>
+          <a:bodyPr>
+            <a:normAutofit/>
+          </a:bodyPr>
           <a:lstStyle/>
           <a:p>
             <a:r>
-              <a:rPr lang="pt-BR" dirty="0" smtClean="0"/>
+              <a:rPr lang="pt-BR" sz="4800" dirty="0" smtClean="0"/>
               <a:t>Principais Etapas do Projeto</a:t>
             </a:r>
-            <a:endParaRPr lang="pt-BR" dirty="0"/>
+            <a:endParaRPr lang="pt-BR" sz="4800" dirty="0"/>
           </a:p>
         </p:txBody>
       </p:sp>
     </p:spTree>
     <p:extLst>
       <p:ext uri="{BB962C8B-B14F-4D97-AF65-F5344CB8AC3E}">
-        <p14:creationId xmlns:p14="http://schemas.microsoft.com/office/powerpoint/2010/main" xmlns="" val="839218431"/>
+        <p14:creationId xmlns:p14="http://schemas.microsoft.com/office/powerpoint/2010/main" val="839218431"/>
       </p:ext>
     </p:extLst>
   </p:cSld>
   <p:clrMapOvr>
     <a:masterClrMapping/>
   </p:clrMapOvr>
-  <mc:AlternateContent xmlns:mc="http://schemas.openxmlformats.org/markup-compatibility/2006">
-    <mc:Choice xmlns:p14="http://schemas.microsoft.com/office/powerpoint/2010/main" xmlns="" Requires="p14">
+  <mc:AlternateContent xmlns:mc="http://schemas.openxmlformats.org/markup-compatibility/2006" xmlns:p14="http://schemas.microsoft.com/office/powerpoint/2010/main">
+    <mc:Choice Requires="p14">
       <p:transition spd="med" p14:dur="700">
         <p:fade/>
       </p:transition>
     </mc:Choice>
-    <mc:Fallback>
+    <mc:Fallback xmlns="">
       <p:transition spd="med">
         <p:fade/>
       </p:transition>
@@ -19884,20 +20285,20 @@
     </p:spTree>
     <p:extLst>
       <p:ext uri="{BB962C8B-B14F-4D97-AF65-F5344CB8AC3E}">
-        <p14:creationId xmlns:p14="http://schemas.microsoft.com/office/powerpoint/2010/main" xmlns="" val="2481649785"/>
+        <p14:creationId xmlns:p14="http://schemas.microsoft.com/office/powerpoint/2010/main" val="2481649785"/>
       </p:ext>
     </p:extLst>
   </p:cSld>
   <p:clrMapOvr>
     <a:masterClrMapping/>
   </p:clrMapOvr>
-  <mc:AlternateContent xmlns:mc="http://schemas.openxmlformats.org/markup-compatibility/2006">
-    <mc:Choice xmlns:p14="http://schemas.microsoft.com/office/powerpoint/2010/main" xmlns="" Requires="p14">
+  <mc:AlternateContent xmlns:mc="http://schemas.openxmlformats.org/markup-compatibility/2006" xmlns:p14="http://schemas.microsoft.com/office/powerpoint/2010/main">
+    <mc:Choice Requires="p14">
       <p:transition spd="med" p14:dur="700">
         <p:fade/>
       </p:transition>
     </mc:Choice>
-    <mc:Fallback>
+    <mc:Fallback xmlns="">
       <p:transition spd="med">
         <p:fade/>
       </p:transition>
@@ -20023,20 +20424,20 @@
     </p:spTree>
     <p:extLst>
       <p:ext uri="{BB962C8B-B14F-4D97-AF65-F5344CB8AC3E}">
-        <p14:creationId xmlns:p14="http://schemas.microsoft.com/office/powerpoint/2010/main" xmlns="" val="3606311956"/>
+        <p14:creationId xmlns:p14="http://schemas.microsoft.com/office/powerpoint/2010/main" val="3606311956"/>
       </p:ext>
     </p:extLst>
   </p:cSld>
   <p:clrMapOvr>
     <a:masterClrMapping/>
   </p:clrMapOvr>
-  <mc:AlternateContent xmlns:mc="http://schemas.openxmlformats.org/markup-compatibility/2006">
-    <mc:Choice xmlns:p14="http://schemas.microsoft.com/office/powerpoint/2010/main" xmlns="" Requires="p14">
+  <mc:AlternateContent xmlns:mc="http://schemas.openxmlformats.org/markup-compatibility/2006" xmlns:p14="http://schemas.microsoft.com/office/powerpoint/2010/main">
+    <mc:Choice Requires="p14">
       <p:transition spd="med" p14:dur="700">
         <p:fade/>
       </p:transition>
     </mc:Choice>
-    <mc:Fallback>
+    <mc:Fallback xmlns="">
       <p:transition spd="med">
         <p:fade/>
       </p:transition>
@@ -20154,20 +20555,20 @@
     </p:spTree>
     <p:extLst>
       <p:ext uri="{BB962C8B-B14F-4D97-AF65-F5344CB8AC3E}">
-        <p14:creationId xmlns:p14="http://schemas.microsoft.com/office/powerpoint/2010/main" xmlns="" val="3259832018"/>
+        <p14:creationId xmlns:p14="http://schemas.microsoft.com/office/powerpoint/2010/main" val="3259832018"/>
       </p:ext>
     </p:extLst>
   </p:cSld>
   <p:clrMapOvr>
     <a:masterClrMapping/>
   </p:clrMapOvr>
-  <mc:AlternateContent xmlns:mc="http://schemas.openxmlformats.org/markup-compatibility/2006">
-    <mc:Choice xmlns:p14="http://schemas.microsoft.com/office/powerpoint/2010/main" xmlns="" Requires="p14">
+  <mc:AlternateContent xmlns:mc="http://schemas.openxmlformats.org/markup-compatibility/2006" xmlns:p14="http://schemas.microsoft.com/office/powerpoint/2010/main">
+    <mc:Choice Requires="p14">
       <p:transition spd="med" p14:dur="700">
         <p:fade/>
       </p:transition>
     </mc:Choice>
-    <mc:Fallback>
+    <mc:Fallback xmlns="">
       <p:transition spd="med">
         <p:fade/>
       </p:transition>
@@ -20310,20 +20711,20 @@
     </p:spTree>
     <p:extLst>
       <p:ext uri="{BB962C8B-B14F-4D97-AF65-F5344CB8AC3E}">
-        <p14:creationId xmlns:p14="http://schemas.microsoft.com/office/powerpoint/2010/main" xmlns="" val="1726333515"/>
+        <p14:creationId xmlns:p14="http://schemas.microsoft.com/office/powerpoint/2010/main" val="1726333515"/>
       </p:ext>
     </p:extLst>
   </p:cSld>
   <p:clrMapOvr>
     <a:masterClrMapping/>
   </p:clrMapOvr>
-  <mc:AlternateContent xmlns:mc="http://schemas.openxmlformats.org/markup-compatibility/2006">
-    <mc:Choice xmlns:p14="http://schemas.microsoft.com/office/powerpoint/2010/main" xmlns="" Requires="p14">
+  <mc:AlternateContent xmlns:mc="http://schemas.openxmlformats.org/markup-compatibility/2006" xmlns:p14="http://schemas.microsoft.com/office/powerpoint/2010/main">
+    <mc:Choice Requires="p14">
       <p:transition spd="med" p14:dur="700">
         <p:fade/>
       </p:transition>
     </mc:Choice>
-    <mc:Fallback>
+    <mc:Fallback xmlns="">
       <p:transition spd="med">
         <p:fade/>
       </p:transition>
@@ -20594,7 +20995,7 @@
   <a:extraClrSchemeLst/>
   <a:extLst>
     <a:ext uri="{05A4C25C-085E-4340-85A3-A5531E510DB2}">
-      <thm15:themeFamily xmlns:thm15="http://schemas.microsoft.com/office/thememl/2012/main" xmlns="" name="O15_4109default" id="{E728D685-11FC-4812-BA85-57AC6F9C9F40}" vid="{BC4E008B-95FF-4815-904E-143A8EDFC1D4}"/>
+      <thm15:themeFamily xmlns="" xmlns:thm15="http://schemas.microsoft.com/office/thememl/2012/main" name="O15_4109default" id="{E728D685-11FC-4812-BA85-57AC6F9C9F40}" vid="{BC4E008B-95FF-4815-904E-143A8EDFC1D4}"/>
     </a:ext>
   </a:extLst>
 </a:theme>

--- a/Apresentação.pptx
+++ b/Apresentação.pptx
@@ -5,10 +5,10 @@
     <p:sldMasterId id="2147483648" r:id="rId2"/>
   </p:sldMasterIdLst>
   <p:notesMasterIdLst>
-    <p:notesMasterId r:id="rId19"/>
+    <p:notesMasterId r:id="rId17"/>
   </p:notesMasterIdLst>
   <p:handoutMasterIdLst>
-    <p:handoutMasterId r:id="rId20"/>
+    <p:handoutMasterId r:id="rId18"/>
   </p:handoutMasterIdLst>
   <p:sldIdLst>
     <p:sldId id="275" r:id="rId3"/>
@@ -25,8 +25,6 @@
     <p:sldId id="271" r:id="rId14"/>
     <p:sldId id="280" r:id="rId15"/>
     <p:sldId id="281" r:id="rId16"/>
-    <p:sldId id="279" r:id="rId17"/>
-    <p:sldId id="288" r:id="rId18"/>
   </p:sldIdLst>
   <p:sldSz cx="12192000" cy="6858000"/>
   <p:notesSz cx="6858000" cy="9144000"/>
@@ -127,7 +125,7 @@
   </p:defaultTextStyle>
   <p:extLst>
     <p:ext uri="{EFAFB233-063F-42B5-8137-9DF3F51BA10A}">
-      <p15:sldGuideLst xmlns="" xmlns:p15="http://schemas.microsoft.com/office/powerpoint/2012/main">
+      <p15:sldGuideLst xmlns:p15="http://schemas.microsoft.com/office/powerpoint/2012/main" xmlns="">
         <p15:guide id="1" pos="3840" userDrawn="1">
           <p15:clr>
             <a:srgbClr val="A4A3A4"/>
@@ -141,7 +139,7 @@
       </p15:sldGuideLst>
     </p:ext>
     <p:ext uri="{2D200454-40CA-4A62-9FC3-DE9A4176ACB9}">
-      <p15:notesGuideLst xmlns="" xmlns:p15="http://schemas.microsoft.com/office/powerpoint/2012/main"/>
+      <p15:notesGuideLst xmlns:p15="http://schemas.microsoft.com/office/powerpoint/2012/main" xmlns=""/>
     </p:ext>
   </p:extLst>
 </p:presentation>
@@ -17946,7 +17944,7 @@
   </p:txStyles>
   <p:extLst mod="1">
     <p:ext uri="{27BBF7A9-308A-43DC-89C8-2F10F3537804}">
-      <p15:sldGuideLst xmlns="" xmlns:p15="http://schemas.microsoft.com/office/powerpoint/2012/main">
+      <p15:sldGuideLst xmlns:p15="http://schemas.microsoft.com/office/powerpoint/2012/main" xmlns="">
         <p15:guide id="1" orient="horz" pos="2160" userDrawn="1">
           <p15:clr>
             <a:srgbClr val="F26B43"/>
@@ -18541,7 +18539,7 @@
             <p:ph sz="half" idx="2"/>
             <p:extLst>
               <p:ext uri="{D42A27DB-BD31-4B8C-83A1-F6EECF244321}">
-                <p14:modId xmlns:p14="http://schemas.microsoft.com/office/powerpoint/2010/main" val="3645568936"/>
+                <p14:modId xmlns:p14="http://schemas.microsoft.com/office/powerpoint/2010/main" val="1139925466"/>
               </p:ext>
             </p:extLst>
           </p:nvPr>
@@ -18790,7 +18788,7 @@
                       <a:pPr algn="ctr"/>
                       <a:r>
                         <a:rPr lang="pt-BR" sz="1800" noProof="0" dirty="0" smtClean="0"/>
-                        <a:t>?</a:t>
+                        <a:t>X</a:t>
                       </a:r>
                       <a:endParaRPr lang="pt-BR" sz="1800" noProof="0" dirty="0"/>
                     </a:p>
@@ -18956,7 +18954,7 @@
                       <a:pPr algn="ctr"/>
                       <a:r>
                         <a:rPr lang="pt-BR" sz="1800" noProof="0" dirty="0" smtClean="0"/>
-                        <a:t>?</a:t>
+                        <a:t>X</a:t>
                       </a:r>
                       <a:endParaRPr lang="pt-BR" sz="1800" noProof="0" dirty="0"/>
                     </a:p>
@@ -19026,10 +19024,6 @@
                     <a:lstStyle/>
                     <a:p>
                       <a:pPr algn="ctr"/>
-                      <a:r>
-                        <a:rPr lang="pt-BR" sz="1800" noProof="0" dirty="0" smtClean="0"/>
-                        <a:t>?</a:t>
-                      </a:r>
                       <a:endParaRPr lang="pt-BR" sz="1800" noProof="0" dirty="0"/>
                     </a:p>
                   </a:txBody>
@@ -19337,196 +19331,6 @@
     <p:extLst>
       <p:ext uri="{BB962C8B-B14F-4D97-AF65-F5344CB8AC3E}">
         <p14:creationId xmlns:p14="http://schemas.microsoft.com/office/powerpoint/2010/main" val="3009830679"/>
-      </p:ext>
-    </p:extLst>
-  </p:cSld>
-  <p:clrMapOvr>
-    <a:masterClrMapping/>
-  </p:clrMapOvr>
-  <mc:AlternateContent xmlns:mc="http://schemas.openxmlformats.org/markup-compatibility/2006" xmlns:p14="http://schemas.microsoft.com/office/powerpoint/2010/main">
-    <mc:Choice Requires="p14">
-      <p:transition spd="med" p14:dur="700">
-        <p:fade/>
-      </p:transition>
-    </mc:Choice>
-    <mc:Fallback xmlns="">
-      <p:transition spd="med">
-        <p:fade/>
-      </p:transition>
-    </mc:Fallback>
-  </mc:AlternateContent>
-  <p:timing>
-    <p:tnLst>
-      <p:par>
-        <p:cTn id="1" dur="indefinite" restart="never" nodeType="tmRoot"/>
-      </p:par>
-    </p:tnLst>
-  </p:timing>
-</p:sld>
-</file>
-
-<file path=ppt/slides/slide15.xml><?xml version="1.0" encoding="utf-8"?>
-<p:sld xmlns:a="http://schemas.openxmlformats.org/drawingml/2006/main" xmlns:r="http://schemas.openxmlformats.org/officeDocument/2006/relationships" xmlns:p="http://schemas.openxmlformats.org/presentationml/2006/main">
-  <p:cSld>
-    <p:spTree>
-      <p:nvGrpSpPr>
-        <p:cNvPr id="1" name=""/>
-        <p:cNvGrpSpPr/>
-        <p:nvPr/>
-      </p:nvGrpSpPr>
-      <p:grpSpPr>
-        <a:xfrm>
-          <a:off x="0" y="0"/>
-          <a:ext cx="0" cy="0"/>
-          <a:chOff x="0" y="0"/>
-          <a:chExt cx="0" cy="0"/>
-        </a:xfrm>
-      </p:grpSpPr>
-      <p:sp>
-        <p:nvSpPr>
-          <p:cNvPr id="2" name="Título 1"/>
-          <p:cNvSpPr>
-            <a:spLocks noGrp="1"/>
-          </p:cNvSpPr>
-          <p:nvPr>
-            <p:ph type="title"/>
-          </p:nvPr>
-        </p:nvSpPr>
-        <p:spPr/>
-        <p:txBody>
-          <a:bodyPr/>
-          <a:lstStyle/>
-          <a:p>
-            <a:r>
-              <a:rPr lang="pt-BR" dirty="0" smtClean="0"/>
-              <a:t>Gráfico de </a:t>
-            </a:r>
-            <a:r>
-              <a:rPr lang="pt-BR" dirty="0" err="1" smtClean="0"/>
-              <a:t>Ghandi</a:t>
-            </a:r>
-            <a:endParaRPr lang="pt-BR" dirty="0"/>
-          </a:p>
-        </p:txBody>
-      </p:sp>
-      <p:pic>
-        <p:nvPicPr>
-          <p:cNvPr id="3" name="Imagem 2"/>
-          <p:cNvPicPr>
-            <a:picLocks noChangeAspect="1"/>
-          </p:cNvPicPr>
-          <p:nvPr/>
-        </p:nvPicPr>
-        <p:blipFill>
-          <a:blip r:embed="rId2">
-            <a:extLst>
-              <a:ext uri="{28A0092B-C50C-407E-A947-70E740481C1C}">
-                <a14:useLocalDpi xmlns:a14="http://schemas.microsoft.com/office/drawing/2010/main" val="0"/>
-              </a:ext>
-            </a:extLst>
-          </a:blip>
-          <a:stretch>
-            <a:fillRect/>
-          </a:stretch>
-        </p:blipFill>
-        <p:spPr>
-          <a:xfrm>
-            <a:off x="4346330" y="1917089"/>
-            <a:ext cx="3050931" cy="3828918"/>
-          </a:xfrm>
-          <a:prstGeom prst="rect">
-            <a:avLst/>
-          </a:prstGeom>
-        </p:spPr>
-      </p:pic>
-    </p:spTree>
-    <p:extLst>
-      <p:ext uri="{BB962C8B-B14F-4D97-AF65-F5344CB8AC3E}">
-        <p14:creationId xmlns:p14="http://schemas.microsoft.com/office/powerpoint/2010/main" val="2659103957"/>
-      </p:ext>
-    </p:extLst>
-  </p:cSld>
-  <p:clrMapOvr>
-    <a:masterClrMapping/>
-  </p:clrMapOvr>
-  <mc:AlternateContent xmlns:mc="http://schemas.openxmlformats.org/markup-compatibility/2006" xmlns:p14="http://schemas.microsoft.com/office/powerpoint/2010/main">
-    <mc:Choice Requires="p14">
-      <p:transition spd="med" p14:dur="700">
-        <p:fade/>
-      </p:transition>
-    </mc:Choice>
-    <mc:Fallback xmlns="">
-      <p:transition spd="med">
-        <p:fade/>
-      </p:transition>
-    </mc:Fallback>
-  </mc:AlternateContent>
-  <p:timing>
-    <p:tnLst>
-      <p:par>
-        <p:cTn id="1" dur="indefinite" restart="never" nodeType="tmRoot"/>
-      </p:par>
-    </p:tnLst>
-  </p:timing>
-</p:sld>
-</file>
-
-<file path=ppt/slides/slide16.xml><?xml version="1.0" encoding="utf-8"?>
-<p:sld xmlns:a="http://schemas.openxmlformats.org/drawingml/2006/main" xmlns:r="http://schemas.openxmlformats.org/officeDocument/2006/relationships" xmlns:p="http://schemas.openxmlformats.org/presentationml/2006/main">
-  <p:cSld>
-    <p:spTree>
-      <p:nvGrpSpPr>
-        <p:cNvPr id="1" name=""/>
-        <p:cNvGrpSpPr/>
-        <p:nvPr/>
-      </p:nvGrpSpPr>
-      <p:grpSpPr>
-        <a:xfrm>
-          <a:off x="0" y="0"/>
-          <a:ext cx="0" cy="0"/>
-          <a:chOff x="0" y="0"/>
-          <a:chExt cx="0" cy="0"/>
-        </a:xfrm>
-      </p:grpSpPr>
-      <p:sp>
-        <p:nvSpPr>
-          <p:cNvPr id="2" name="Título 1"/>
-          <p:cNvSpPr>
-            <a:spLocks noGrp="1"/>
-          </p:cNvSpPr>
-          <p:nvPr>
-            <p:ph type="title"/>
-          </p:nvPr>
-        </p:nvSpPr>
-        <p:spPr/>
-        <p:txBody>
-          <a:bodyPr/>
-          <a:lstStyle/>
-          <a:p>
-            <a:r>
-              <a:rPr lang="pt-BR" dirty="0" err="1" smtClean="0"/>
-              <a:t>Ops</a:t>
-            </a:r>
-            <a:r>
-              <a:rPr lang="pt-BR" dirty="0" smtClean="0"/>
-              <a:t>... Gráfico de </a:t>
-            </a:r>
-            <a:r>
-              <a:rPr lang="pt-BR" dirty="0" err="1" smtClean="0"/>
-              <a:t>Gantt</a:t>
-            </a:r>
-            <a:r>
-              <a:rPr lang="pt-BR" dirty="0" smtClean="0"/>
-              <a:t>!</a:t>
-            </a:r>
-            <a:endParaRPr lang="pt-BR" dirty="0"/>
-          </a:p>
-        </p:txBody>
-      </p:sp>
-    </p:spTree>
-    <p:extLst>
-      <p:ext uri="{BB962C8B-B14F-4D97-AF65-F5344CB8AC3E}">
-        <p14:creationId xmlns:p14="http://schemas.microsoft.com/office/powerpoint/2010/main" val="2659103957"/>
       </p:ext>
     </p:extLst>
   </p:cSld>
@@ -20995,7 +20799,7 @@
   <a:extraClrSchemeLst/>
   <a:extLst>
     <a:ext uri="{05A4C25C-085E-4340-85A3-A5531E510DB2}">
-      <thm15:themeFamily xmlns="" xmlns:thm15="http://schemas.microsoft.com/office/thememl/2012/main" name="O15_4109default" id="{E728D685-11FC-4812-BA85-57AC6F9C9F40}" vid="{BC4E008B-95FF-4815-904E-143A8EDFC1D4}"/>
+      <thm15:themeFamily xmlns:thm15="http://schemas.microsoft.com/office/thememl/2012/main" xmlns="" name="O15_4109default" id="{E728D685-11FC-4812-BA85-57AC6F9C9F40}" vid="{BC4E008B-95FF-4815-904E-143A8EDFC1D4}"/>
     </a:ext>
   </a:extLst>
 </a:theme>

--- a/Apresentação.pptx
+++ b/Apresentação.pptx
@@ -5,10 +5,10 @@
     <p:sldMasterId id="2147483648" r:id="rId2"/>
   </p:sldMasterIdLst>
   <p:notesMasterIdLst>
-    <p:notesMasterId r:id="rId17"/>
+    <p:notesMasterId r:id="rId18"/>
   </p:notesMasterIdLst>
   <p:handoutMasterIdLst>
-    <p:handoutMasterId r:id="rId18"/>
+    <p:handoutMasterId r:id="rId19"/>
   </p:handoutMasterIdLst>
   <p:sldIdLst>
     <p:sldId id="275" r:id="rId3"/>
@@ -25,6 +25,7 @@
     <p:sldId id="271" r:id="rId14"/>
     <p:sldId id="280" r:id="rId15"/>
     <p:sldId id="281" r:id="rId16"/>
+    <p:sldId id="288" r:id="rId17"/>
   </p:sldIdLst>
   <p:sldSz cx="12192000" cy="6858000"/>
   <p:notesSz cx="6858000" cy="9144000"/>
@@ -125,7 +126,7 @@
   </p:defaultTextStyle>
   <p:extLst>
     <p:ext uri="{EFAFB233-063F-42B5-8137-9DF3F51BA10A}">
-      <p15:sldGuideLst xmlns:p15="http://schemas.microsoft.com/office/powerpoint/2012/main" xmlns="">
+      <p15:sldGuideLst xmlns="" xmlns:p15="http://schemas.microsoft.com/office/powerpoint/2012/main">
         <p15:guide id="1" pos="3840" userDrawn="1">
           <p15:clr>
             <a:srgbClr val="A4A3A4"/>
@@ -139,7 +140,7 @@
       </p15:sldGuideLst>
     </p:ext>
     <p:ext uri="{2D200454-40CA-4A62-9FC3-DE9A4176ACB9}">
-      <p15:notesGuideLst xmlns:p15="http://schemas.microsoft.com/office/powerpoint/2012/main" xmlns=""/>
+      <p15:notesGuideLst xmlns="" xmlns:p15="http://schemas.microsoft.com/office/powerpoint/2012/main"/>
     </p:ext>
   </p:extLst>
 </p:presentation>
@@ -3638,6 +3639,96 @@
 </p:notes>
 </file>
 
+<file path=ppt/notesSlides/notesSlide2.xml><?xml version="1.0" encoding="utf-8"?>
+<p:notes xmlns:a="http://schemas.openxmlformats.org/drawingml/2006/main" xmlns:r="http://schemas.openxmlformats.org/officeDocument/2006/relationships" xmlns:p="http://schemas.openxmlformats.org/presentationml/2006/main">
+  <p:cSld>
+    <p:spTree>
+      <p:nvGrpSpPr>
+        <p:cNvPr id="1" name=""/>
+        <p:cNvGrpSpPr/>
+        <p:nvPr/>
+      </p:nvGrpSpPr>
+      <p:grpSpPr>
+        <a:xfrm>
+          <a:off x="0" y="0"/>
+          <a:ext cx="0" cy="0"/>
+          <a:chOff x="0" y="0"/>
+          <a:chExt cx="0" cy="0"/>
+        </a:xfrm>
+      </p:grpSpPr>
+      <p:sp>
+        <p:nvSpPr>
+          <p:cNvPr id="2" name="Slide Image Placeholder 1"/>
+          <p:cNvSpPr>
+            <a:spLocks noGrp="1" noRot="1" noChangeAspect="1"/>
+          </p:cNvSpPr>
+          <p:nvPr>
+            <p:ph type="sldImg"/>
+          </p:nvPr>
+        </p:nvSpPr>
+        <p:spPr>
+          <a:xfrm>
+            <a:off x="685800" y="1143000"/>
+            <a:ext cx="5486400" cy="3086100"/>
+          </a:xfrm>
+        </p:spPr>
+      </p:sp>
+      <p:sp>
+        <p:nvSpPr>
+          <p:cNvPr id="3" name="Notes Placeholder 2"/>
+          <p:cNvSpPr>
+            <a:spLocks noGrp="1"/>
+          </p:cNvSpPr>
+          <p:nvPr>
+            <p:ph type="body" idx="1"/>
+          </p:nvPr>
+        </p:nvSpPr>
+        <p:spPr/>
+        <p:txBody>
+          <a:bodyPr/>
+          <a:lstStyle/>
+          <a:p>
+            <a:endParaRPr lang="en-US"/>
+          </a:p>
+        </p:txBody>
+      </p:sp>
+      <p:sp>
+        <p:nvSpPr>
+          <p:cNvPr id="4" name="Espaço Reservado para Número de Slide 3"/>
+          <p:cNvSpPr>
+            <a:spLocks noGrp="1"/>
+          </p:cNvSpPr>
+          <p:nvPr>
+            <p:ph type="sldNum" sz="quarter" idx="10"/>
+          </p:nvPr>
+        </p:nvSpPr>
+        <p:spPr/>
+        <p:txBody>
+          <a:bodyPr/>
+          <a:lstStyle/>
+          <a:p>
+            <a:fld id="{82869989-EB00-4EE7-BCB5-25BDC5BB29F8}" type="slidenum">
+              <a:rPr lang="en-US" smtClean="0"/>
+              <a:pPr/>
+              <a:t>15</a:t>
+            </a:fld>
+            <a:endParaRPr lang="pt-BR"/>
+          </a:p>
+        </p:txBody>
+      </p:sp>
+    </p:spTree>
+    <p:extLst>
+      <p:ext uri="{BB962C8B-B14F-4D97-AF65-F5344CB8AC3E}">
+        <p14:creationId xmlns:p14="http://schemas.microsoft.com/office/powerpoint/2010/main" val="1980303916"/>
+      </p:ext>
+    </p:extLst>
+  </p:cSld>
+  <p:clrMapOvr>
+    <a:masterClrMapping/>
+  </p:clrMapOvr>
+</p:notes>
+</file>
+
 <file path=ppt/slideLayouts/slideLayout1.xml><?xml version="1.0" encoding="utf-8"?>
 <p:sldLayout xmlns:a="http://schemas.openxmlformats.org/drawingml/2006/main" xmlns:r="http://schemas.openxmlformats.org/officeDocument/2006/relationships" xmlns:p="http://schemas.openxmlformats.org/presentationml/2006/main" showMasterSp="0" type="title" preserve="1">
   <p:cSld name="Slide de título">
@@ -17944,7 +18035,7 @@
   </p:txStyles>
   <p:extLst mod="1">
     <p:ext uri="{27BBF7A9-308A-43DC-89C8-2F10F3537804}">
-      <p15:sldGuideLst xmlns:p15="http://schemas.microsoft.com/office/powerpoint/2012/main" xmlns="">
+      <p15:sldGuideLst xmlns="" xmlns:p15="http://schemas.microsoft.com/office/powerpoint/2012/main">
         <p15:guide id="1" orient="horz" pos="2160" userDrawn="1">
           <p15:clr>
             <a:srgbClr val="F26B43"/>
@@ -19331,6 +19422,85 @@
     <p:extLst>
       <p:ext uri="{BB962C8B-B14F-4D97-AF65-F5344CB8AC3E}">
         <p14:creationId xmlns:p14="http://schemas.microsoft.com/office/powerpoint/2010/main" val="3009830679"/>
+      </p:ext>
+    </p:extLst>
+  </p:cSld>
+  <p:clrMapOvr>
+    <a:masterClrMapping/>
+  </p:clrMapOvr>
+  <mc:AlternateContent xmlns:mc="http://schemas.openxmlformats.org/markup-compatibility/2006" xmlns:p14="http://schemas.microsoft.com/office/powerpoint/2010/main">
+    <mc:Choice Requires="p14">
+      <p:transition spd="med" p14:dur="700">
+        <p:fade/>
+      </p:transition>
+    </mc:Choice>
+    <mc:Fallback xmlns="">
+      <p:transition spd="med">
+        <p:fade/>
+      </p:transition>
+    </mc:Fallback>
+  </mc:AlternateContent>
+  <p:timing>
+    <p:tnLst>
+      <p:par>
+        <p:cTn id="1" dur="indefinite" restart="never" nodeType="tmRoot"/>
+      </p:par>
+    </p:tnLst>
+  </p:timing>
+</p:sld>
+</file>
+
+<file path=ppt/slides/slide15.xml><?xml version="1.0" encoding="utf-8"?>
+<p:sld xmlns:a="http://schemas.openxmlformats.org/drawingml/2006/main" xmlns:r="http://schemas.openxmlformats.org/officeDocument/2006/relationships" xmlns:p="http://schemas.openxmlformats.org/presentationml/2006/main">
+  <p:cSld>
+    <p:spTree>
+      <p:nvGrpSpPr>
+        <p:cNvPr id="1" name=""/>
+        <p:cNvGrpSpPr/>
+        <p:nvPr/>
+      </p:nvGrpSpPr>
+      <p:grpSpPr>
+        <a:xfrm>
+          <a:off x="0" y="0"/>
+          <a:ext cx="0" cy="0"/>
+          <a:chOff x="0" y="0"/>
+          <a:chExt cx="0" cy="0"/>
+        </a:xfrm>
+      </p:grpSpPr>
+      <p:pic>
+        <p:nvPicPr>
+          <p:cNvPr id="8" name="Imagem 7"/>
+          <p:cNvPicPr>
+            <a:picLocks noChangeAspect="1"/>
+          </p:cNvPicPr>
+          <p:nvPr/>
+        </p:nvPicPr>
+        <p:blipFill>
+          <a:blip r:embed="rId3">
+            <a:extLst>
+              <a:ext uri="{28A0092B-C50C-407E-A947-70E740481C1C}">
+                <a14:useLocalDpi xmlns:a14="http://schemas.microsoft.com/office/drawing/2010/main" val="0"/>
+              </a:ext>
+            </a:extLst>
+          </a:blip>
+          <a:stretch>
+            <a:fillRect/>
+          </a:stretch>
+        </p:blipFill>
+        <p:spPr>
+          <a:xfrm>
+            <a:off x="-1" y="449684"/>
+            <a:ext cx="11953305" cy="5388407"/>
+          </a:xfrm>
+          <a:prstGeom prst="rect">
+            <a:avLst/>
+          </a:prstGeom>
+        </p:spPr>
+      </p:pic>
+    </p:spTree>
+    <p:extLst>
+      <p:ext uri="{BB962C8B-B14F-4D97-AF65-F5344CB8AC3E}">
+        <p14:creationId xmlns:p14="http://schemas.microsoft.com/office/powerpoint/2010/main" val="2566847073"/>
       </p:ext>
     </p:extLst>
   </p:cSld>
@@ -20799,7 +20969,7 @@
   <a:extraClrSchemeLst/>
   <a:extLst>
     <a:ext uri="{05A4C25C-085E-4340-85A3-A5531E510DB2}">
-      <thm15:themeFamily xmlns:thm15="http://schemas.microsoft.com/office/thememl/2012/main" xmlns="" name="O15_4109default" id="{E728D685-11FC-4812-BA85-57AC6F9C9F40}" vid="{BC4E008B-95FF-4815-904E-143A8EDFC1D4}"/>
+      <thm15:themeFamily xmlns="" xmlns:thm15="http://schemas.microsoft.com/office/thememl/2012/main" name="O15_4109default" id="{E728D685-11FC-4812-BA85-57AC6F9C9F40}" vid="{BC4E008B-95FF-4815-904E-143A8EDFC1D4}"/>
     </a:ext>
   </a:extLst>
 </a:theme>
